--- a/doc/source/figures.pptx
+++ b/doc/source/figures.pptx
@@ -193,7 +193,7 @@
           <a:p>
             <a:fld id="{06619A14-1920-4585-AAED-A0A3040C0CE8}" type="datetimeFigureOut">
               <a:rPr kumimoji="1" lang="ja-JP" altLang="en-US" smtClean="0"/>
-              <a:t>2016/2/19</a:t>
+              <a:t>2016/2/22</a:t>
             </a:fld>
             <a:endParaRPr kumimoji="1" lang="ja-JP" altLang="en-US"/>
           </a:p>
@@ -7269,6 +7269,47 @@
           <a:chExt cx="0" cy="0"/>
         </a:xfrm>
       </p:grpSpPr>
+      <p:pic>
+        <p:nvPicPr>
+          <p:cNvPr id="1026" name="Picture 2" descr="https://tse2.mm.bing.net/th?id=OIP.M662482034f74effcaf8cd2a41463dc86o0&amp;pid=15.1"/>
+          <p:cNvPicPr>
+            <a:picLocks noChangeAspect="1" noChangeArrowheads="1"/>
+          </p:cNvPicPr>
+          <p:nvPr/>
+        </p:nvPicPr>
+        <p:blipFill>
+          <a:blip r:embed="rId2" cstate="print">
+            <a:extLst>
+              <a:ext uri="{28A0092B-C50C-407E-A947-70E740481C1C}">
+                <a14:useLocalDpi xmlns:a14="http://schemas.microsoft.com/office/drawing/2010/main" val="0"/>
+              </a:ext>
+            </a:extLst>
+          </a:blip>
+          <a:srcRect/>
+          <a:stretch>
+            <a:fillRect/>
+          </a:stretch>
+        </p:blipFill>
+        <p:spPr bwMode="auto">
+          <a:xfrm>
+            <a:off x="6444208" y="2462650"/>
+            <a:ext cx="396032" cy="462294"/>
+          </a:xfrm>
+          <a:prstGeom prst="rect">
+            <a:avLst/>
+          </a:prstGeom>
+          <a:noFill/>
+          <a:extLst>
+            <a:ext uri="{909E8E84-426E-40DD-AFC4-6F175D3DCCD1}">
+              <a14:hiddenFill xmlns:a14="http://schemas.microsoft.com/office/drawing/2010/main">
+                <a:solidFill>
+                  <a:srgbClr val="FFFFFF"/>
+                </a:solidFill>
+              </a14:hiddenFill>
+            </a:ext>
+          </a:extLst>
+        </p:spPr>
+      </p:pic>
       <p:sp>
         <p:nvSpPr>
           <p:cNvPr id="4" name="スライド番号プレースホルダー 3"/>
@@ -7386,8 +7427,8 @@
         </p:nvSpPr>
         <p:spPr>
           <a:xfrm>
-            <a:off x="2682607" y="4931876"/>
-            <a:ext cx="4121641" cy="369332"/>
+            <a:off x="2010772" y="4931876"/>
+            <a:ext cx="5801588" cy="369332"/>
           </a:xfrm>
           <a:prstGeom prst="rect">
             <a:avLst/>
@@ -7402,7 +7443,19 @@
           <a:p>
             <a:r>
               <a:rPr kumimoji="1" lang="en-US" altLang="ja-JP" dirty="0" smtClean="0"/>
-              <a:t>Expressiveness of source code in C++</a:t>
+              <a:t>Expressiveness of </a:t>
+            </a:r>
+            <a:r>
+              <a:rPr kumimoji="1" lang="en-US" altLang="ja-JP" dirty="0" smtClean="0"/>
+              <a:t>C++ code </a:t>
+            </a:r>
+            <a:r>
+              <a:rPr kumimoji="1" lang="en-US" altLang="ja-JP" dirty="0" smtClean="0"/>
+              <a:t>in </a:t>
+            </a:r>
+            <a:r>
+              <a:rPr lang="en-US" altLang="ja-JP" dirty="0" smtClean="0"/>
+              <a:t>mathematical modeling</a:t>
             </a:r>
             <a:endParaRPr kumimoji="1" lang="ja-JP" altLang="en-US" dirty="0"/>
           </a:p>
@@ -7482,42 +7535,6 @@
           </a:p>
         </p:txBody>
       </p:sp>
-      <p:sp>
-        <p:nvSpPr>
-          <p:cNvPr id="13" name="円/楕円 12"/>
-          <p:cNvSpPr/>
-          <p:nvPr/>
-        </p:nvSpPr>
-        <p:spPr bwMode="blackGray">
-          <a:xfrm>
-            <a:off x="4391992" y="4185096"/>
-            <a:ext cx="108000" cy="108000"/>
-          </a:xfrm>
-          <a:prstGeom prst="ellipse">
-            <a:avLst/>
-          </a:prstGeom>
-          <a:solidFill>
-            <a:schemeClr val="tx1"/>
-          </a:solidFill>
-          <a:ln w="9525">
-            <a:solidFill>
-              <a:srgbClr val="0070C0"/>
-            </a:solidFill>
-            <a:round/>
-            <a:headEnd/>
-            <a:tailEnd/>
-          </a:ln>
-          <a:extLst/>
-        </p:spPr>
-        <p:txBody>
-          <a:bodyPr rtlCol="0" anchor="ctr"/>
-          <a:lstStyle/>
-          <a:p>
-            <a:pPr algn="ctr"/>
-            <a:endParaRPr kumimoji="1" lang="ja-JP" altLang="en-US"/>
-          </a:p>
-        </p:txBody>
-      </p:sp>
       <p:cxnSp>
         <p:nvCxnSpPr>
           <p:cNvPr id="15" name="直線矢印コネクタ 14"/>
@@ -7526,8 +7543,8 @@
         </p:nvCxnSpPr>
         <p:spPr>
           <a:xfrm>
-            <a:off x="2735784" y="2610188"/>
-            <a:ext cx="1588154" cy="1574908"/>
+            <a:off x="2699792" y="2564904"/>
+            <a:ext cx="1656184" cy="1656184"/>
           </a:xfrm>
           <a:prstGeom prst="straightConnector1">
             <a:avLst/>
@@ -7563,7 +7580,7 @@
         </p:nvSpPr>
         <p:spPr>
           <a:xfrm>
-            <a:off x="2209530" y="1836113"/>
+            <a:off x="2051720" y="2628201"/>
             <a:ext cx="1210342" cy="584775"/>
           </a:xfrm>
           <a:prstGeom prst="rect">
@@ -7590,12 +7607,8 @@
               <a:t>like </a:t>
             </a:r>
             <a:r>
-              <a:rPr lang="en-US" altLang="ja-JP" sz="1600" dirty="0"/>
-              <a:t>s</a:t>
-            </a:r>
-            <a:r>
               <a:rPr lang="en-US" altLang="ja-JP" sz="1600" dirty="0" smtClean="0"/>
-              <a:t>tyle</a:t>
+              <a:t>arrays</a:t>
             </a:r>
             <a:endParaRPr kumimoji="1" lang="ja-JP" altLang="en-US" sz="1600" dirty="0"/>
           </a:p>
@@ -7609,8 +7622,8 @@
         </p:nvSpPr>
         <p:spPr>
           <a:xfrm>
-            <a:off x="3915995" y="4293096"/>
-            <a:ext cx="1117101" cy="338554"/>
+            <a:off x="2339752" y="4149080"/>
+            <a:ext cx="2016225" cy="584775"/>
           </a:xfrm>
           <a:prstGeom prst="rect">
             <a:avLst/>
@@ -7618,52 +7631,28 @@
           <a:noFill/>
         </p:spPr>
         <p:txBody>
-          <a:bodyPr wrap="none" rtlCol="0">
+          <a:bodyPr wrap="square" rtlCol="0">
             <a:spAutoFit/>
           </a:bodyPr>
           <a:lstStyle/>
           <a:p>
+            <a:pPr algn="r"/>
             <a:r>
               <a:rPr lang="en-US" altLang="ja-JP" sz="1600" dirty="0" smtClean="0"/>
-              <a:t>OOP style</a:t>
+              <a:t>Matrix &amp; vector</a:t>
+            </a:r>
+            <a:r>
+              <a:rPr lang="en-US" altLang="ja-JP" sz="1600" dirty="0" smtClean="0"/>
+              <a:t> </a:t>
+            </a:r>
+          </a:p>
+          <a:p>
+            <a:pPr algn="r"/>
+            <a:r>
+              <a:rPr lang="en-US" altLang="ja-JP" sz="1600" dirty="0" smtClean="0"/>
+              <a:t>objects</a:t>
             </a:r>
             <a:endParaRPr kumimoji="1" lang="ja-JP" altLang="en-US" sz="1600" dirty="0"/>
-          </a:p>
-        </p:txBody>
-      </p:sp>
-      <p:sp>
-        <p:nvSpPr>
-          <p:cNvPr id="23" name="円/楕円 22"/>
-          <p:cNvSpPr/>
-          <p:nvPr/>
-        </p:nvSpPr>
-        <p:spPr bwMode="blackGray">
-          <a:xfrm>
-            <a:off x="4355976" y="2564904"/>
-            <a:ext cx="108000" cy="108000"/>
-          </a:xfrm>
-          <a:prstGeom prst="ellipse">
-            <a:avLst/>
-          </a:prstGeom>
-          <a:solidFill>
-            <a:schemeClr val="tx1"/>
-          </a:solidFill>
-          <a:ln w="9525">
-            <a:solidFill>
-              <a:srgbClr val="0070C0"/>
-            </a:solidFill>
-            <a:round/>
-            <a:headEnd/>
-            <a:tailEnd/>
-          </a:ln>
-          <a:extLst/>
-        </p:spPr>
-        <p:txBody>
-          <a:bodyPr rtlCol="0" anchor="ctr"/>
-          <a:lstStyle/>
-          <a:p>
-            <a:pPr algn="ctr"/>
-            <a:endParaRPr kumimoji="1" lang="ja-JP" altLang="en-US"/>
           </a:p>
         </p:txBody>
       </p:sp>
@@ -7675,7 +7664,7 @@
         </p:nvSpPr>
         <p:spPr>
           <a:xfrm>
-            <a:off x="3771979" y="1918573"/>
+            <a:off x="3771979" y="2052137"/>
             <a:ext cx="1520101" cy="584775"/>
           </a:xfrm>
           <a:prstGeom prst="rect">
@@ -7705,7 +7694,7 @@
         </p:nvCxnSpPr>
         <p:spPr>
           <a:xfrm flipH="1" flipV="1">
-            <a:off x="4417003" y="2708920"/>
+            <a:off x="4422494" y="2852936"/>
             <a:ext cx="10981" cy="1368152"/>
           </a:xfrm>
           <a:prstGeom prst="straightConnector1">
@@ -7713,7 +7702,10 @@
           </a:prstGeom>
           <a:ln w="22225">
             <a:solidFill>
-              <a:srgbClr val="0070C0"/>
+              <a:schemeClr val="tx1">
+                <a:lumMod val="50000"/>
+                <a:lumOff val="50000"/>
+              </a:schemeClr>
             </a:solidFill>
             <a:tailEnd type="arrow"/>
           </a:ln>
@@ -7741,7 +7733,7 @@
         </p:nvSpPr>
         <p:spPr bwMode="blackGray">
           <a:xfrm>
-            <a:off x="6624240" y="2816944"/>
+            <a:off x="6624240" y="2888952"/>
             <a:ext cx="108000" cy="108000"/>
           </a:xfrm>
           <a:prstGeom prst="ellipse">
@@ -7779,16 +7771,16 @@
           <p:nvPr/>
         </p:nvCxnSpPr>
         <p:spPr>
-          <a:xfrm>
-            <a:off x="4587643" y="2672904"/>
-            <a:ext cx="1892581" cy="144040"/>
+          <a:xfrm flipV="1">
+            <a:off x="4587643" y="2996952"/>
+            <a:ext cx="1928573" cy="1188144"/>
           </a:xfrm>
           <a:prstGeom prst="straightConnector1">
             <a:avLst/>
           </a:prstGeom>
           <a:ln w="22225">
             <a:solidFill>
-              <a:srgbClr val="00B0F0"/>
+              <a:srgbClr val="0070C0"/>
             </a:solidFill>
             <a:prstDash val="dash"/>
             <a:tailEnd type="arrow"/>
@@ -7847,47 +7839,6 @@
           </a:p>
         </p:txBody>
       </p:sp>
-      <p:pic>
-        <p:nvPicPr>
-          <p:cNvPr id="1026" name="Picture 2" descr="https://tse2.mm.bing.net/th?id=OIP.M662482034f74effcaf8cd2a41463dc86o0&amp;pid=15.1"/>
-          <p:cNvPicPr>
-            <a:picLocks noChangeAspect="1" noChangeArrowheads="1"/>
-          </p:cNvPicPr>
-          <p:nvPr/>
-        </p:nvPicPr>
-        <p:blipFill>
-          <a:blip r:embed="rId2" cstate="print">
-            <a:extLst>
-              <a:ext uri="{28A0092B-C50C-407E-A947-70E740481C1C}">
-                <a14:useLocalDpi xmlns:a14="http://schemas.microsoft.com/office/drawing/2010/main" val="0"/>
-              </a:ext>
-            </a:extLst>
-          </a:blip>
-          <a:srcRect/>
-          <a:stretch>
-            <a:fillRect/>
-          </a:stretch>
-        </p:blipFill>
-        <p:spPr bwMode="auto">
-          <a:xfrm>
-            <a:off x="6480224" y="2276872"/>
-            <a:ext cx="396032" cy="462294"/>
-          </a:xfrm>
-          <a:prstGeom prst="rect">
-            <a:avLst/>
-          </a:prstGeom>
-          <a:noFill/>
-          <a:extLst>
-            <a:ext uri="{909E8E84-426E-40DD-AFC4-6F175D3DCCD1}">
-              <a14:hiddenFill xmlns:a14="http://schemas.microsoft.com/office/drawing/2010/main">
-                <a:solidFill>
-                  <a:srgbClr val="FFFFFF"/>
-                </a:solidFill>
-              </a14:hiddenFill>
-            </a:ext>
-          </a:extLst>
-        </p:spPr>
-      </p:pic>
       <p:sp>
         <p:nvSpPr>
           <p:cNvPr id="39" name="テキスト ボックス 38"/>
@@ -7896,7 +7847,7 @@
         </p:nvSpPr>
         <p:spPr>
           <a:xfrm>
-            <a:off x="5220072" y="2060848"/>
+            <a:off x="6080613" y="3193812"/>
             <a:ext cx="1227691" cy="523220"/>
           </a:xfrm>
           <a:prstGeom prst="rect">
@@ -7934,7 +7885,7 @@
         </p:nvSpPr>
         <p:spPr>
           <a:xfrm>
-            <a:off x="5076056" y="2195572"/>
+            <a:off x="5836858" y="3284984"/>
             <a:ext cx="319318" cy="369332"/>
           </a:xfrm>
           <a:prstGeom prst="rect">
@@ -8018,80 +7969,6 @@
           </a:extLst>
         </p:spPr>
       </p:pic>
-      <p:cxnSp>
-        <p:nvCxnSpPr>
-          <p:cNvPr id="43" name="直線コネクタ 42"/>
-          <p:cNvCxnSpPr/>
-          <p:nvPr/>
-        </p:nvCxnSpPr>
-        <p:spPr>
-          <a:xfrm>
-            <a:off x="1979712" y="3645024"/>
-            <a:ext cx="3312368" cy="0"/>
-          </a:xfrm>
-          <a:prstGeom prst="line">
-            <a:avLst/>
-          </a:prstGeom>
-          <a:ln w="22225">
-            <a:solidFill>
-              <a:srgbClr val="FF0000"/>
-            </a:solidFill>
-            <a:prstDash val="dash"/>
-            <a:tailEnd type="none"/>
-          </a:ln>
-        </p:spPr>
-        <p:style>
-          <a:lnRef idx="1">
-            <a:schemeClr val="accent1"/>
-          </a:lnRef>
-          <a:fillRef idx="0">
-            <a:schemeClr val="accent1"/>
-          </a:fillRef>
-          <a:effectRef idx="0">
-            <a:schemeClr val="accent1"/>
-          </a:effectRef>
-          <a:fontRef idx="minor">
-            <a:schemeClr val="tx1"/>
-          </a:fontRef>
-        </p:style>
-      </p:cxnSp>
-      <p:cxnSp>
-        <p:nvCxnSpPr>
-          <p:cNvPr id="45" name="直線コネクタ 44"/>
-          <p:cNvCxnSpPr/>
-          <p:nvPr/>
-        </p:nvCxnSpPr>
-        <p:spPr>
-          <a:xfrm>
-            <a:off x="5292080" y="3645024"/>
-            <a:ext cx="0" cy="1224136"/>
-          </a:xfrm>
-          <a:prstGeom prst="line">
-            <a:avLst/>
-          </a:prstGeom>
-          <a:ln w="22225">
-            <a:solidFill>
-              <a:srgbClr val="FF0000"/>
-            </a:solidFill>
-            <a:prstDash val="dash"/>
-            <a:tailEnd type="none"/>
-          </a:ln>
-        </p:spPr>
-        <p:style>
-          <a:lnRef idx="1">
-            <a:schemeClr val="accent1"/>
-          </a:lnRef>
-          <a:fillRef idx="0">
-            <a:schemeClr val="accent1"/>
-          </a:fillRef>
-          <a:effectRef idx="0">
-            <a:schemeClr val="accent1"/>
-          </a:effectRef>
-          <a:fontRef idx="minor">
-            <a:schemeClr val="tx1"/>
-          </a:fontRef>
-        </p:style>
-      </p:cxnSp>
       <p:sp>
         <p:nvSpPr>
           <p:cNvPr id="52" name="テキスト ボックス 51"/>
@@ -8100,8 +7977,8 @@
         </p:nvSpPr>
         <p:spPr>
           <a:xfrm>
-            <a:off x="5292080" y="4037002"/>
-            <a:ext cx="1332160" cy="400110"/>
+            <a:off x="4896036" y="4365104"/>
+            <a:ext cx="2124236" cy="523220"/>
           </a:xfrm>
           <a:prstGeom prst="rect">
             <a:avLst/>
@@ -8115,14 +7992,22 @@
           <a:lstStyle/>
           <a:p>
             <a:r>
-              <a:rPr lang="en-US" altLang="ja-JP" sz="2000" dirty="0" smtClean="0">
+              <a:rPr lang="en-US" altLang="ja-JP" sz="1400" dirty="0" smtClean="0">
                 <a:solidFill>
                   <a:srgbClr val="FF0000"/>
                 </a:solidFill>
               </a:rPr>
-              <a:t>OOP limit</a:t>
-            </a:r>
-            <a:endParaRPr kumimoji="1" lang="ja-JP" altLang="en-US" sz="2000" dirty="0">
+              <a:t>Expressiveness </a:t>
+            </a:r>
+            <a:r>
+              <a:rPr lang="en-US" altLang="ja-JP" sz="1400" dirty="0" smtClean="0">
+                <a:solidFill>
+                  <a:srgbClr val="FF0000"/>
+                </a:solidFill>
+              </a:rPr>
+              <a:t>limit of OOP</a:t>
+            </a:r>
+            <a:endParaRPr kumimoji="1" lang="ja-JP" altLang="en-US" sz="1400" dirty="0">
               <a:solidFill>
                 <a:srgbClr val="FF0000"/>
               </a:solidFill>
@@ -8238,6 +8123,115 @@
           </a:extLst>
         </p:spPr>
       </p:pic>
+      <p:cxnSp>
+        <p:nvCxnSpPr>
+          <p:cNvPr id="29" name="直線コネクタ 28"/>
+          <p:cNvCxnSpPr/>
+          <p:nvPr/>
+        </p:nvCxnSpPr>
+        <p:spPr>
+          <a:xfrm flipV="1">
+            <a:off x="4932040" y="4077072"/>
+            <a:ext cx="0" cy="936105"/>
+          </a:xfrm>
+          <a:prstGeom prst="line">
+            <a:avLst/>
+          </a:prstGeom>
+          <a:ln w="22225">
+            <a:solidFill>
+              <a:srgbClr val="FF0000"/>
+            </a:solidFill>
+            <a:prstDash val="dash"/>
+            <a:tailEnd type="none"/>
+          </a:ln>
+        </p:spPr>
+        <p:style>
+          <a:lnRef idx="1">
+            <a:schemeClr val="accent1"/>
+          </a:lnRef>
+          <a:fillRef idx="0">
+            <a:schemeClr val="accent1"/>
+          </a:fillRef>
+          <a:effectRef idx="0">
+            <a:schemeClr val="accent1"/>
+          </a:effectRef>
+          <a:fontRef idx="minor">
+            <a:schemeClr val="tx1"/>
+          </a:fontRef>
+        </p:style>
+      </p:cxnSp>
+      <p:sp>
+        <p:nvSpPr>
+          <p:cNvPr id="47" name="円/楕円 46"/>
+          <p:cNvSpPr/>
+          <p:nvPr/>
+        </p:nvSpPr>
+        <p:spPr bwMode="blackGray">
+          <a:xfrm>
+            <a:off x="4373984" y="4257104"/>
+            <a:ext cx="108000" cy="108000"/>
+          </a:xfrm>
+          <a:prstGeom prst="ellipse">
+            <a:avLst/>
+          </a:prstGeom>
+          <a:solidFill>
+            <a:schemeClr val="tx1"/>
+          </a:solidFill>
+          <a:ln w="9525">
+            <a:solidFill>
+              <a:srgbClr val="0070C0"/>
+            </a:solidFill>
+            <a:round/>
+            <a:headEnd/>
+            <a:tailEnd/>
+          </a:ln>
+          <a:extLst/>
+        </p:spPr>
+        <p:txBody>
+          <a:bodyPr rtlCol="0" anchor="ctr"/>
+          <a:lstStyle/>
+          <a:p>
+            <a:pPr algn="ctr"/>
+            <a:endParaRPr kumimoji="1" lang="ja-JP" altLang="en-US"/>
+          </a:p>
+        </p:txBody>
+      </p:sp>
+      <p:sp>
+        <p:nvSpPr>
+          <p:cNvPr id="48" name="円/楕円 47"/>
+          <p:cNvSpPr/>
+          <p:nvPr/>
+        </p:nvSpPr>
+        <p:spPr bwMode="blackGray">
+          <a:xfrm>
+            <a:off x="4355976" y="2708920"/>
+            <a:ext cx="108000" cy="108000"/>
+          </a:xfrm>
+          <a:prstGeom prst="ellipse">
+            <a:avLst/>
+          </a:prstGeom>
+          <a:solidFill>
+            <a:schemeClr val="tx1"/>
+          </a:solidFill>
+          <a:ln w="9525">
+            <a:solidFill>
+              <a:srgbClr val="0070C0"/>
+            </a:solidFill>
+            <a:round/>
+            <a:headEnd/>
+            <a:tailEnd/>
+          </a:ln>
+          <a:extLst/>
+        </p:spPr>
+        <p:txBody>
+          <a:bodyPr rtlCol="0" anchor="ctr"/>
+          <a:lstStyle/>
+          <a:p>
+            <a:pPr algn="ctr"/>
+            <a:endParaRPr kumimoji="1" lang="ja-JP" altLang="en-US"/>
+          </a:p>
+        </p:txBody>
+      </p:sp>
     </p:spTree>
     <p:extLst>
       <p:ext uri="{BB962C8B-B14F-4D97-AF65-F5344CB8AC3E}">
@@ -8268,550 +8262,6 @@
           <a:chExt cx="0" cy="0"/>
         </a:xfrm>
       </p:grpSpPr>
-      <p:sp>
-        <p:nvSpPr>
-          <p:cNvPr id="4" name="スライド番号プレースホルダー 3"/>
-          <p:cNvSpPr>
-            <a:spLocks noGrp="1"/>
-          </p:cNvSpPr>
-          <p:nvPr>
-            <p:ph type="sldNum" sz="quarter" idx="11"/>
-          </p:nvPr>
-        </p:nvSpPr>
-        <p:spPr/>
-        <p:txBody>
-          <a:bodyPr/>
-          <a:lstStyle/>
-          <a:p>
-            <a:pPr>
-              <a:defRPr/>
-            </a:pPr>
-            <a:fld id="{7016D335-8464-494C-AD71-72ACEB7FE597}" type="slidenum">
-              <a:rPr lang="en-US" altLang="ja-JP" smtClean="0">
-                <a:solidFill>
-                  <a:srgbClr val="FFFFFF"/>
-                </a:solidFill>
-              </a:rPr>
-              <a:pPr>
-                <a:defRPr/>
-              </a:pPr>
-              <a:t>2</a:t>
-            </a:fld>
-            <a:endParaRPr lang="en-US" altLang="ja-JP">
-              <a:solidFill>
-                <a:srgbClr val="FFFFFF"/>
-              </a:solidFill>
-            </a:endParaRPr>
-          </a:p>
-        </p:txBody>
-      </p:sp>
-      <p:cxnSp>
-        <p:nvCxnSpPr>
-          <p:cNvPr id="6" name="直線矢印コネクタ 5"/>
-          <p:cNvCxnSpPr/>
-          <p:nvPr/>
-        </p:nvCxnSpPr>
-        <p:spPr>
-          <a:xfrm>
-            <a:off x="1979712" y="4869160"/>
-            <a:ext cx="5832648" cy="0"/>
-          </a:xfrm>
-          <a:prstGeom prst="straightConnector1">
-            <a:avLst/>
-          </a:prstGeom>
-          <a:ln w="22225">
-            <a:solidFill>
-              <a:schemeClr val="tx1"/>
-            </a:solidFill>
-            <a:tailEnd type="arrow"/>
-          </a:ln>
-        </p:spPr>
-        <p:style>
-          <a:lnRef idx="1">
-            <a:schemeClr val="accent1"/>
-          </a:lnRef>
-          <a:fillRef idx="0">
-            <a:schemeClr val="accent1"/>
-          </a:fillRef>
-          <a:effectRef idx="0">
-            <a:schemeClr val="accent1"/>
-          </a:effectRef>
-          <a:fontRef idx="minor">
-            <a:schemeClr val="tx1"/>
-          </a:fontRef>
-        </p:style>
-      </p:cxnSp>
-      <p:cxnSp>
-        <p:nvCxnSpPr>
-          <p:cNvPr id="8" name="直線矢印コネクタ 7"/>
-          <p:cNvCxnSpPr/>
-          <p:nvPr/>
-        </p:nvCxnSpPr>
-        <p:spPr>
-          <a:xfrm flipV="1">
-            <a:off x="1979712" y="1700808"/>
-            <a:ext cx="0" cy="3168352"/>
-          </a:xfrm>
-          <a:prstGeom prst="straightConnector1">
-            <a:avLst/>
-          </a:prstGeom>
-          <a:ln w="22225">
-            <a:solidFill>
-              <a:schemeClr val="tx1"/>
-            </a:solidFill>
-            <a:tailEnd type="arrow"/>
-          </a:ln>
-        </p:spPr>
-        <p:style>
-          <a:lnRef idx="1">
-            <a:schemeClr val="accent1"/>
-          </a:lnRef>
-          <a:fillRef idx="0">
-            <a:schemeClr val="accent1"/>
-          </a:fillRef>
-          <a:effectRef idx="0">
-            <a:schemeClr val="accent1"/>
-          </a:effectRef>
-          <a:fontRef idx="minor">
-            <a:schemeClr val="tx1"/>
-          </a:fontRef>
-        </p:style>
-      </p:cxnSp>
-      <p:sp>
-        <p:nvSpPr>
-          <p:cNvPr id="10" name="テキスト ボックス 9"/>
-          <p:cNvSpPr txBox="1"/>
-          <p:nvPr/>
-        </p:nvSpPr>
-        <p:spPr>
-          <a:xfrm>
-            <a:off x="2682607" y="4931876"/>
-            <a:ext cx="4121641" cy="369332"/>
-          </a:xfrm>
-          <a:prstGeom prst="rect">
-            <a:avLst/>
-          </a:prstGeom>
-          <a:noFill/>
-        </p:spPr>
-        <p:txBody>
-          <a:bodyPr wrap="none" rtlCol="0">
-            <a:spAutoFit/>
-          </a:bodyPr>
-          <a:lstStyle/>
-          <a:p>
-            <a:r>
-              <a:rPr kumimoji="1" lang="en-US" altLang="ja-JP" dirty="0" smtClean="0"/>
-              <a:t>Expressiveness of source code in C++</a:t>
-            </a:r>
-            <a:endParaRPr kumimoji="1" lang="ja-JP" altLang="en-US" dirty="0"/>
-          </a:p>
-        </p:txBody>
-      </p:sp>
-      <p:sp>
-        <p:nvSpPr>
-          <p:cNvPr id="11" name="テキスト ボックス 10"/>
-          <p:cNvSpPr txBox="1"/>
-          <p:nvPr/>
-        </p:nvSpPr>
-        <p:spPr>
-          <a:xfrm>
-            <a:off x="671269" y="2566645"/>
-            <a:ext cx="1236435" cy="369332"/>
-          </a:xfrm>
-          <a:prstGeom prst="rect">
-            <a:avLst/>
-          </a:prstGeom>
-          <a:noFill/>
-        </p:spPr>
-        <p:txBody>
-          <a:bodyPr wrap="square" rtlCol="0">
-            <a:spAutoFit/>
-          </a:bodyPr>
-          <a:lstStyle/>
-          <a:p>
-            <a:r>
-              <a:rPr kumimoji="1" lang="en-US" altLang="ja-JP" dirty="0" smtClean="0"/>
-              <a:t>Scalability</a:t>
-            </a:r>
-          </a:p>
-        </p:txBody>
-      </p:sp>
-      <p:sp>
-        <p:nvSpPr>
-          <p:cNvPr id="12" name="円/楕円 11"/>
-          <p:cNvSpPr/>
-          <p:nvPr/>
-        </p:nvSpPr>
-        <p:spPr bwMode="blackGray">
-          <a:xfrm>
-            <a:off x="2537780" y="3861048"/>
-            <a:ext cx="108000" cy="108000"/>
-          </a:xfrm>
-          <a:prstGeom prst="ellipse">
-            <a:avLst/>
-          </a:prstGeom>
-          <a:solidFill>
-            <a:schemeClr val="tx1"/>
-          </a:solidFill>
-          <a:ln w="9525">
-            <a:solidFill>
-              <a:srgbClr val="0070C0"/>
-            </a:solidFill>
-            <a:round/>
-            <a:headEnd/>
-            <a:tailEnd/>
-          </a:ln>
-          <a:extLst/>
-        </p:spPr>
-        <p:txBody>
-          <a:bodyPr rtlCol="0" anchor="ctr"/>
-          <a:lstStyle/>
-          <a:p>
-            <a:pPr algn="ctr"/>
-            <a:endParaRPr kumimoji="1" lang="ja-JP" altLang="en-US"/>
-          </a:p>
-        </p:txBody>
-      </p:sp>
-      <p:sp>
-        <p:nvSpPr>
-          <p:cNvPr id="13" name="円/楕円 12"/>
-          <p:cNvSpPr/>
-          <p:nvPr/>
-        </p:nvSpPr>
-        <p:spPr bwMode="blackGray">
-          <a:xfrm>
-            <a:off x="4391992" y="3861048"/>
-            <a:ext cx="108000" cy="108000"/>
-          </a:xfrm>
-          <a:prstGeom prst="ellipse">
-            <a:avLst/>
-          </a:prstGeom>
-          <a:solidFill>
-            <a:schemeClr val="tx1"/>
-          </a:solidFill>
-          <a:ln w="9525">
-            <a:solidFill>
-              <a:srgbClr val="0070C0"/>
-            </a:solidFill>
-            <a:round/>
-            <a:headEnd/>
-            <a:tailEnd/>
-          </a:ln>
-          <a:extLst/>
-        </p:spPr>
-        <p:txBody>
-          <a:bodyPr rtlCol="0" anchor="ctr"/>
-          <a:lstStyle/>
-          <a:p>
-            <a:pPr algn="ctr"/>
-            <a:endParaRPr kumimoji="1" lang="ja-JP" altLang="en-US"/>
-          </a:p>
-        </p:txBody>
-      </p:sp>
-      <p:cxnSp>
-        <p:nvCxnSpPr>
-          <p:cNvPr id="15" name="直線矢印コネクタ 14"/>
-          <p:cNvCxnSpPr/>
-          <p:nvPr/>
-        </p:nvCxnSpPr>
-        <p:spPr>
-          <a:xfrm flipV="1">
-            <a:off x="2771800" y="3933056"/>
-            <a:ext cx="1509237" cy="0"/>
-          </a:xfrm>
-          <a:prstGeom prst="straightConnector1">
-            <a:avLst/>
-          </a:prstGeom>
-          <a:ln w="22225">
-            <a:solidFill>
-              <a:schemeClr val="tx1"/>
-            </a:solidFill>
-            <a:prstDash val="solid"/>
-            <a:tailEnd type="arrow"/>
-          </a:ln>
-        </p:spPr>
-        <p:style>
-          <a:lnRef idx="1">
-            <a:schemeClr val="accent1"/>
-          </a:lnRef>
-          <a:fillRef idx="0">
-            <a:schemeClr val="accent1"/>
-          </a:fillRef>
-          <a:effectRef idx="0">
-            <a:schemeClr val="accent1"/>
-          </a:effectRef>
-          <a:fontRef idx="minor">
-            <a:schemeClr val="tx1"/>
-          </a:fontRef>
-        </p:style>
-      </p:cxnSp>
-      <p:sp>
-        <p:nvSpPr>
-          <p:cNvPr id="19" name="テキスト ボックス 18"/>
-          <p:cNvSpPr txBox="1"/>
-          <p:nvPr/>
-        </p:nvSpPr>
-        <p:spPr>
-          <a:xfrm>
-            <a:off x="2137522" y="3996353"/>
-            <a:ext cx="1210342" cy="584775"/>
-          </a:xfrm>
-          <a:prstGeom prst="rect">
-            <a:avLst/>
-          </a:prstGeom>
-          <a:noFill/>
-        </p:spPr>
-        <p:txBody>
-          <a:bodyPr wrap="square" rtlCol="0">
-            <a:spAutoFit/>
-          </a:bodyPr>
-          <a:lstStyle/>
-          <a:p>
-            <a:r>
-              <a:rPr kumimoji="1" lang="en-US" altLang="ja-JP" sz="1600" dirty="0" smtClean="0"/>
-              <a:t>Plain-</a:t>
-            </a:r>
-            <a:r>
-              <a:rPr lang="en-US" altLang="ja-JP" sz="1600" dirty="0" smtClean="0"/>
-              <a:t>C-</a:t>
-            </a:r>
-            <a:r>
-              <a:rPr kumimoji="1" lang="en-US" altLang="ja-JP" sz="1600" dirty="0" smtClean="0"/>
-              <a:t>like </a:t>
-            </a:r>
-            <a:r>
-              <a:rPr lang="en-US" altLang="ja-JP" sz="1600" dirty="0"/>
-              <a:t>s</a:t>
-            </a:r>
-            <a:r>
-              <a:rPr lang="en-US" altLang="ja-JP" sz="1600" dirty="0" smtClean="0"/>
-              <a:t>tyle</a:t>
-            </a:r>
-            <a:endParaRPr kumimoji="1" lang="ja-JP" altLang="en-US" sz="1600" dirty="0"/>
-          </a:p>
-        </p:txBody>
-      </p:sp>
-      <p:sp>
-        <p:nvSpPr>
-          <p:cNvPr id="20" name="テキスト ボックス 19"/>
-          <p:cNvSpPr txBox="1"/>
-          <p:nvPr/>
-        </p:nvSpPr>
-        <p:spPr>
-          <a:xfrm>
-            <a:off x="3779912" y="3996353"/>
-            <a:ext cx="1537912" cy="584775"/>
-          </a:xfrm>
-          <a:prstGeom prst="rect">
-            <a:avLst/>
-          </a:prstGeom>
-          <a:noFill/>
-        </p:spPr>
-        <p:txBody>
-          <a:bodyPr wrap="square" rtlCol="0">
-            <a:spAutoFit/>
-          </a:bodyPr>
-          <a:lstStyle/>
-          <a:p>
-            <a:pPr algn="ctr"/>
-            <a:r>
-              <a:rPr lang="en-US" altLang="ja-JP" sz="1600" dirty="0" smtClean="0"/>
-              <a:t>Expression Templates</a:t>
-            </a:r>
-            <a:endParaRPr kumimoji="1" lang="ja-JP" altLang="en-US" sz="1600" dirty="0"/>
-          </a:p>
-        </p:txBody>
-      </p:sp>
-      <p:sp>
-        <p:nvSpPr>
-          <p:cNvPr id="30" name="テキスト ボックス 29"/>
-          <p:cNvSpPr txBox="1"/>
-          <p:nvPr/>
-        </p:nvSpPr>
-        <p:spPr>
-          <a:xfrm>
-            <a:off x="5031779" y="2617748"/>
-            <a:ext cx="1227691" cy="523220"/>
-          </a:xfrm>
-          <a:prstGeom prst="rect">
-            <a:avLst/>
-          </a:prstGeom>
-          <a:noFill/>
-        </p:spPr>
-        <p:txBody>
-          <a:bodyPr wrap="square" rtlCol="0">
-            <a:spAutoFit/>
-          </a:bodyPr>
-          <a:lstStyle/>
-          <a:p>
-            <a:r>
-              <a:rPr lang="en-US" altLang="ja-JP" sz="1400" dirty="0" smtClean="0">
-                <a:solidFill>
-                  <a:srgbClr val="0070C0"/>
-                </a:solidFill>
-              </a:rPr>
-              <a:t>Parallel skeleton</a:t>
-            </a:r>
-            <a:endParaRPr kumimoji="1" lang="ja-JP" altLang="en-US" sz="1400" dirty="0">
-              <a:solidFill>
-                <a:srgbClr val="0070C0"/>
-              </a:solidFill>
-            </a:endParaRPr>
-          </a:p>
-        </p:txBody>
-      </p:sp>
-      <p:sp>
-        <p:nvSpPr>
-          <p:cNvPr id="31" name="テキスト ボックス 30"/>
-          <p:cNvSpPr txBox="1"/>
-          <p:nvPr/>
-        </p:nvSpPr>
-        <p:spPr>
-          <a:xfrm>
-            <a:off x="4788024" y="2699628"/>
-            <a:ext cx="319318" cy="369332"/>
-          </a:xfrm>
-          <a:prstGeom prst="rect">
-            <a:avLst/>
-          </a:prstGeom>
-          <a:noFill/>
-        </p:spPr>
-        <p:txBody>
-          <a:bodyPr wrap="none" rtlCol="0">
-            <a:spAutoFit/>
-          </a:bodyPr>
-          <a:lstStyle/>
-          <a:p>
-            <a:r>
-              <a:rPr kumimoji="1" lang="en-US" altLang="ja-JP" dirty="0" smtClean="0">
-                <a:solidFill>
-                  <a:srgbClr val="0070C0"/>
-                </a:solidFill>
-              </a:rPr>
-              <a:t>+</a:t>
-            </a:r>
-            <a:endParaRPr kumimoji="1" lang="ja-JP" altLang="en-US" dirty="0">
-              <a:solidFill>
-                <a:srgbClr val="0070C0"/>
-              </a:solidFill>
-            </a:endParaRPr>
-          </a:p>
-        </p:txBody>
-      </p:sp>
-      <p:sp>
-        <p:nvSpPr>
-          <p:cNvPr id="32" name="円/楕円 31"/>
-          <p:cNvSpPr/>
-          <p:nvPr/>
-        </p:nvSpPr>
-        <p:spPr bwMode="blackGray">
-          <a:xfrm>
-            <a:off x="6624240" y="2456904"/>
-            <a:ext cx="108000" cy="108000"/>
-          </a:xfrm>
-          <a:prstGeom prst="ellipse">
-            <a:avLst/>
-          </a:prstGeom>
-          <a:solidFill>
-            <a:schemeClr val="tx1">
-              <a:lumMod val="50000"/>
-              <a:lumOff val="50000"/>
-            </a:schemeClr>
-          </a:solidFill>
-          <a:ln w="9525">
-            <a:solidFill>
-              <a:srgbClr val="0070C0"/>
-            </a:solidFill>
-            <a:round/>
-            <a:headEnd/>
-            <a:tailEnd/>
-          </a:ln>
-          <a:extLst/>
-        </p:spPr>
-        <p:txBody>
-          <a:bodyPr rtlCol="0" anchor="ctr"/>
-          <a:lstStyle/>
-          <a:p>
-            <a:pPr algn="ctr"/>
-            <a:endParaRPr kumimoji="1" lang="ja-JP" altLang="en-US"/>
-          </a:p>
-        </p:txBody>
-      </p:sp>
-      <p:cxnSp>
-        <p:nvCxnSpPr>
-          <p:cNvPr id="34" name="直線矢印コネクタ 33"/>
-          <p:cNvCxnSpPr/>
-          <p:nvPr/>
-        </p:nvCxnSpPr>
-        <p:spPr>
-          <a:xfrm flipV="1">
-            <a:off x="4587643" y="2566645"/>
-            <a:ext cx="2036597" cy="1294404"/>
-          </a:xfrm>
-          <a:prstGeom prst="straightConnector1">
-            <a:avLst/>
-          </a:prstGeom>
-          <a:ln w="22225">
-            <a:solidFill>
-              <a:srgbClr val="0070C0"/>
-            </a:solidFill>
-            <a:prstDash val="dash"/>
-            <a:tailEnd type="arrow"/>
-          </a:ln>
-        </p:spPr>
-        <p:style>
-          <a:lnRef idx="1">
-            <a:schemeClr val="accent1"/>
-          </a:lnRef>
-          <a:fillRef idx="0">
-            <a:schemeClr val="accent1"/>
-          </a:fillRef>
-          <a:effectRef idx="0">
-            <a:schemeClr val="accent1"/>
-          </a:effectRef>
-          <a:fontRef idx="minor">
-            <a:schemeClr val="tx1"/>
-          </a:fontRef>
-        </p:style>
-      </p:cxnSp>
-      <p:sp>
-        <p:nvSpPr>
-          <p:cNvPr id="35" name="テキスト ボックス 34"/>
-          <p:cNvSpPr txBox="1"/>
-          <p:nvPr/>
-        </p:nvSpPr>
-        <p:spPr>
-          <a:xfrm>
-            <a:off x="6872289" y="1700808"/>
-            <a:ext cx="1660151" cy="830997"/>
-          </a:xfrm>
-          <a:prstGeom prst="rect">
-            <a:avLst/>
-          </a:prstGeom>
-          <a:noFill/>
-        </p:spPr>
-        <p:txBody>
-          <a:bodyPr wrap="square" rtlCol="0">
-            <a:spAutoFit/>
-          </a:bodyPr>
-          <a:lstStyle/>
-          <a:p>
-            <a:r>
-              <a:rPr lang="en-US" altLang="ja-JP" sz="1600" b="1" dirty="0" smtClean="0">
-                <a:solidFill>
-                  <a:srgbClr val="0070C0"/>
-                </a:solidFill>
-              </a:rPr>
-              <a:t>EDSL for Poisson eq. solver</a:t>
-            </a:r>
-            <a:endParaRPr kumimoji="1" lang="ja-JP" altLang="en-US" sz="1600" b="1" dirty="0">
-              <a:solidFill>
-                <a:srgbClr val="0070C0"/>
-              </a:solidFill>
-            </a:endParaRPr>
-          </a:p>
-        </p:txBody>
-      </p:sp>
       <p:pic>
         <p:nvPicPr>
           <p:cNvPr id="1026" name="Picture 2" descr="https://tse2.mm.bing.net/th?id=OIP.M662482034f74effcaf8cd2a41463dc86o0&amp;pid=15.1"/>
@@ -8853,6 +8303,500 @@
           </a:extLst>
         </p:spPr>
       </p:pic>
+      <p:cxnSp>
+        <p:nvCxnSpPr>
+          <p:cNvPr id="40" name="直線コネクタ 39"/>
+          <p:cNvCxnSpPr/>
+          <p:nvPr/>
+        </p:nvCxnSpPr>
+        <p:spPr>
+          <a:xfrm>
+            <a:off x="1979712" y="3933056"/>
+            <a:ext cx="5544616" cy="0"/>
+          </a:xfrm>
+          <a:prstGeom prst="line">
+            <a:avLst/>
+          </a:prstGeom>
+          <a:ln w="22225">
+            <a:solidFill>
+              <a:schemeClr val="tx1">
+                <a:lumMod val="50000"/>
+                <a:lumOff val="50000"/>
+              </a:schemeClr>
+            </a:solidFill>
+            <a:prstDash val="sysDot"/>
+            <a:tailEnd type="none"/>
+          </a:ln>
+        </p:spPr>
+        <p:style>
+          <a:lnRef idx="1">
+            <a:schemeClr val="accent1"/>
+          </a:lnRef>
+          <a:fillRef idx="0">
+            <a:schemeClr val="accent1"/>
+          </a:fillRef>
+          <a:effectRef idx="0">
+            <a:schemeClr val="accent1"/>
+          </a:effectRef>
+          <a:fontRef idx="minor">
+            <a:schemeClr val="tx1"/>
+          </a:fontRef>
+        </p:style>
+      </p:cxnSp>
+      <p:sp>
+        <p:nvSpPr>
+          <p:cNvPr id="4" name="スライド番号プレースホルダー 3"/>
+          <p:cNvSpPr>
+            <a:spLocks noGrp="1"/>
+          </p:cNvSpPr>
+          <p:nvPr>
+            <p:ph type="sldNum" sz="quarter" idx="11"/>
+          </p:nvPr>
+        </p:nvSpPr>
+        <p:spPr/>
+        <p:txBody>
+          <a:bodyPr/>
+          <a:lstStyle/>
+          <a:p>
+            <a:pPr>
+              <a:defRPr/>
+            </a:pPr>
+            <a:fld id="{7016D335-8464-494C-AD71-72ACEB7FE597}" type="slidenum">
+              <a:rPr lang="en-US" altLang="ja-JP" smtClean="0">
+                <a:solidFill>
+                  <a:srgbClr val="FFFFFF"/>
+                </a:solidFill>
+              </a:rPr>
+              <a:pPr>
+                <a:defRPr/>
+              </a:pPr>
+              <a:t>2</a:t>
+            </a:fld>
+            <a:endParaRPr lang="en-US" altLang="ja-JP">
+              <a:solidFill>
+                <a:srgbClr val="FFFFFF"/>
+              </a:solidFill>
+            </a:endParaRPr>
+          </a:p>
+        </p:txBody>
+      </p:sp>
+      <p:cxnSp>
+        <p:nvCxnSpPr>
+          <p:cNvPr id="6" name="直線矢印コネクタ 5"/>
+          <p:cNvCxnSpPr/>
+          <p:nvPr/>
+        </p:nvCxnSpPr>
+        <p:spPr>
+          <a:xfrm>
+            <a:off x="1979712" y="4869160"/>
+            <a:ext cx="5832648" cy="0"/>
+          </a:xfrm>
+          <a:prstGeom prst="straightConnector1">
+            <a:avLst/>
+          </a:prstGeom>
+          <a:ln w="22225">
+            <a:solidFill>
+              <a:schemeClr val="tx1"/>
+            </a:solidFill>
+            <a:tailEnd type="arrow"/>
+          </a:ln>
+        </p:spPr>
+        <p:style>
+          <a:lnRef idx="1">
+            <a:schemeClr val="accent1"/>
+          </a:lnRef>
+          <a:fillRef idx="0">
+            <a:schemeClr val="accent1"/>
+          </a:fillRef>
+          <a:effectRef idx="0">
+            <a:schemeClr val="accent1"/>
+          </a:effectRef>
+          <a:fontRef idx="minor">
+            <a:schemeClr val="tx1"/>
+          </a:fontRef>
+        </p:style>
+      </p:cxnSp>
+      <p:cxnSp>
+        <p:nvCxnSpPr>
+          <p:cNvPr id="8" name="直線矢印コネクタ 7"/>
+          <p:cNvCxnSpPr/>
+          <p:nvPr/>
+        </p:nvCxnSpPr>
+        <p:spPr>
+          <a:xfrm flipV="1">
+            <a:off x="1979712" y="1700808"/>
+            <a:ext cx="0" cy="3168352"/>
+          </a:xfrm>
+          <a:prstGeom prst="straightConnector1">
+            <a:avLst/>
+          </a:prstGeom>
+          <a:ln w="22225">
+            <a:solidFill>
+              <a:schemeClr val="tx1"/>
+            </a:solidFill>
+            <a:tailEnd type="arrow"/>
+          </a:ln>
+        </p:spPr>
+        <p:style>
+          <a:lnRef idx="1">
+            <a:schemeClr val="accent1"/>
+          </a:lnRef>
+          <a:fillRef idx="0">
+            <a:schemeClr val="accent1"/>
+          </a:fillRef>
+          <a:effectRef idx="0">
+            <a:schemeClr val="accent1"/>
+          </a:effectRef>
+          <a:fontRef idx="minor">
+            <a:schemeClr val="tx1"/>
+          </a:fontRef>
+        </p:style>
+      </p:cxnSp>
+      <p:sp>
+        <p:nvSpPr>
+          <p:cNvPr id="11" name="テキスト ボックス 10"/>
+          <p:cNvSpPr txBox="1"/>
+          <p:nvPr/>
+        </p:nvSpPr>
+        <p:spPr>
+          <a:xfrm>
+            <a:off x="671269" y="2566645"/>
+            <a:ext cx="1236435" cy="369332"/>
+          </a:xfrm>
+          <a:prstGeom prst="rect">
+            <a:avLst/>
+          </a:prstGeom>
+          <a:noFill/>
+        </p:spPr>
+        <p:txBody>
+          <a:bodyPr wrap="square" rtlCol="0">
+            <a:spAutoFit/>
+          </a:bodyPr>
+          <a:lstStyle/>
+          <a:p>
+            <a:r>
+              <a:rPr kumimoji="1" lang="en-US" altLang="ja-JP" dirty="0" smtClean="0"/>
+              <a:t>Scalability</a:t>
+            </a:r>
+          </a:p>
+        </p:txBody>
+      </p:sp>
+      <p:sp>
+        <p:nvSpPr>
+          <p:cNvPr id="12" name="円/楕円 11"/>
+          <p:cNvSpPr/>
+          <p:nvPr/>
+        </p:nvSpPr>
+        <p:spPr bwMode="blackGray">
+          <a:xfrm>
+            <a:off x="2537780" y="3861048"/>
+            <a:ext cx="108000" cy="108000"/>
+          </a:xfrm>
+          <a:prstGeom prst="ellipse">
+            <a:avLst/>
+          </a:prstGeom>
+          <a:solidFill>
+            <a:schemeClr val="tx1"/>
+          </a:solidFill>
+          <a:ln w="9525">
+            <a:solidFill>
+              <a:srgbClr val="0070C0"/>
+            </a:solidFill>
+            <a:round/>
+            <a:headEnd/>
+            <a:tailEnd/>
+          </a:ln>
+          <a:extLst/>
+        </p:spPr>
+        <p:txBody>
+          <a:bodyPr rtlCol="0" anchor="ctr"/>
+          <a:lstStyle/>
+          <a:p>
+            <a:pPr algn="ctr"/>
+            <a:endParaRPr kumimoji="1" lang="ja-JP" altLang="en-US"/>
+          </a:p>
+        </p:txBody>
+      </p:sp>
+      <p:sp>
+        <p:nvSpPr>
+          <p:cNvPr id="13" name="円/楕円 12"/>
+          <p:cNvSpPr/>
+          <p:nvPr/>
+        </p:nvSpPr>
+        <p:spPr bwMode="blackGray">
+          <a:xfrm>
+            <a:off x="4391992" y="3861048"/>
+            <a:ext cx="108000" cy="108000"/>
+          </a:xfrm>
+          <a:prstGeom prst="ellipse">
+            <a:avLst/>
+          </a:prstGeom>
+          <a:solidFill>
+            <a:schemeClr val="tx1"/>
+          </a:solidFill>
+          <a:ln w="9525">
+            <a:solidFill>
+              <a:srgbClr val="0070C0"/>
+            </a:solidFill>
+            <a:round/>
+            <a:headEnd/>
+            <a:tailEnd/>
+          </a:ln>
+          <a:extLst/>
+        </p:spPr>
+        <p:txBody>
+          <a:bodyPr rtlCol="0" anchor="ctr"/>
+          <a:lstStyle/>
+          <a:p>
+            <a:pPr algn="ctr"/>
+            <a:endParaRPr kumimoji="1" lang="ja-JP" altLang="en-US"/>
+          </a:p>
+        </p:txBody>
+      </p:sp>
+      <p:cxnSp>
+        <p:nvCxnSpPr>
+          <p:cNvPr id="15" name="直線矢印コネクタ 14"/>
+          <p:cNvCxnSpPr/>
+          <p:nvPr/>
+        </p:nvCxnSpPr>
+        <p:spPr>
+          <a:xfrm flipV="1">
+            <a:off x="2771800" y="3933056"/>
+            <a:ext cx="1509237" cy="0"/>
+          </a:xfrm>
+          <a:prstGeom prst="straightConnector1">
+            <a:avLst/>
+          </a:prstGeom>
+          <a:ln w="22225">
+            <a:solidFill>
+              <a:schemeClr val="tx1"/>
+            </a:solidFill>
+            <a:prstDash val="solid"/>
+            <a:tailEnd type="arrow"/>
+          </a:ln>
+        </p:spPr>
+        <p:style>
+          <a:lnRef idx="1">
+            <a:schemeClr val="accent1"/>
+          </a:lnRef>
+          <a:fillRef idx="0">
+            <a:schemeClr val="accent1"/>
+          </a:fillRef>
+          <a:effectRef idx="0">
+            <a:schemeClr val="accent1"/>
+          </a:effectRef>
+          <a:fontRef idx="minor">
+            <a:schemeClr val="tx1"/>
+          </a:fontRef>
+        </p:style>
+      </p:cxnSp>
+      <p:sp>
+        <p:nvSpPr>
+          <p:cNvPr id="19" name="テキスト ボックス 18"/>
+          <p:cNvSpPr txBox="1"/>
+          <p:nvPr/>
+        </p:nvSpPr>
+        <p:spPr>
+          <a:xfrm>
+            <a:off x="2137522" y="3933056"/>
+            <a:ext cx="1210342" cy="584775"/>
+          </a:xfrm>
+          <a:prstGeom prst="rect">
+            <a:avLst/>
+          </a:prstGeom>
+          <a:noFill/>
+        </p:spPr>
+        <p:txBody>
+          <a:bodyPr wrap="square" rtlCol="0">
+            <a:spAutoFit/>
+          </a:bodyPr>
+          <a:lstStyle/>
+          <a:p>
+            <a:r>
+              <a:rPr kumimoji="1" lang="en-US" altLang="ja-JP" sz="1600" dirty="0" smtClean="0"/>
+              <a:t>Plain-</a:t>
+            </a:r>
+            <a:r>
+              <a:rPr lang="en-US" altLang="ja-JP" sz="1600" dirty="0" smtClean="0"/>
+              <a:t>C-</a:t>
+            </a:r>
+            <a:r>
+              <a:rPr kumimoji="1" lang="en-US" altLang="ja-JP" sz="1600" dirty="0" smtClean="0"/>
+              <a:t>like </a:t>
+            </a:r>
+            <a:r>
+              <a:rPr lang="en-US" altLang="ja-JP" sz="1600" dirty="0" smtClean="0"/>
+              <a:t>arrays</a:t>
+            </a:r>
+            <a:endParaRPr kumimoji="1" lang="ja-JP" altLang="en-US" sz="1600" dirty="0"/>
+          </a:p>
+        </p:txBody>
+      </p:sp>
+      <p:sp>
+        <p:nvSpPr>
+          <p:cNvPr id="20" name="テキスト ボックス 19"/>
+          <p:cNvSpPr txBox="1"/>
+          <p:nvPr/>
+        </p:nvSpPr>
+        <p:spPr>
+          <a:xfrm>
+            <a:off x="3466136" y="3933056"/>
+            <a:ext cx="1969960" cy="584775"/>
+          </a:xfrm>
+          <a:prstGeom prst="rect">
+            <a:avLst/>
+          </a:prstGeom>
+          <a:noFill/>
+        </p:spPr>
+        <p:txBody>
+          <a:bodyPr wrap="square" rtlCol="0">
+            <a:spAutoFit/>
+          </a:bodyPr>
+          <a:lstStyle/>
+          <a:p>
+            <a:pPr algn="ctr"/>
+            <a:r>
+              <a:rPr kumimoji="1" lang="en-US" altLang="ja-JP" sz="1600" dirty="0" smtClean="0"/>
+              <a:t>Matrix &amp; vector</a:t>
+            </a:r>
+          </a:p>
+          <a:p>
+            <a:pPr algn="ctr"/>
+            <a:r>
+              <a:rPr lang="en-US" altLang="ja-JP" sz="1600" dirty="0" smtClean="0"/>
+              <a:t>objects</a:t>
+            </a:r>
+            <a:endParaRPr kumimoji="1" lang="ja-JP" altLang="en-US" sz="1600" dirty="0"/>
+          </a:p>
+        </p:txBody>
+      </p:sp>
+      <p:sp>
+        <p:nvSpPr>
+          <p:cNvPr id="30" name="テキスト ボックス 29"/>
+          <p:cNvSpPr txBox="1"/>
+          <p:nvPr/>
+        </p:nvSpPr>
+        <p:spPr>
+          <a:xfrm>
+            <a:off x="6732240" y="2689756"/>
+            <a:ext cx="1721080" cy="523220"/>
+          </a:xfrm>
+          <a:prstGeom prst="rect">
+            <a:avLst/>
+          </a:prstGeom>
+          <a:noFill/>
+        </p:spPr>
+        <p:txBody>
+          <a:bodyPr wrap="square" rtlCol="0">
+            <a:spAutoFit/>
+          </a:bodyPr>
+          <a:lstStyle/>
+          <a:p>
+            <a:r>
+              <a:rPr lang="en-US" altLang="ja-JP" sz="1400" dirty="0" smtClean="0">
+                <a:solidFill>
+                  <a:srgbClr val="0070C0"/>
+                </a:solidFill>
+              </a:rPr>
+              <a:t>Parallelization </a:t>
+            </a:r>
+          </a:p>
+          <a:p>
+            <a:r>
+              <a:rPr lang="en-US" altLang="ja-JP" sz="1400" dirty="0" smtClean="0">
+                <a:solidFill>
+                  <a:srgbClr val="0070C0"/>
+                </a:solidFill>
+              </a:rPr>
+              <a:t>by semantic model</a:t>
+            </a:r>
+            <a:endParaRPr kumimoji="1" lang="ja-JP" altLang="en-US" sz="1400" dirty="0">
+              <a:solidFill>
+                <a:srgbClr val="0070C0"/>
+              </a:solidFill>
+            </a:endParaRPr>
+          </a:p>
+        </p:txBody>
+      </p:sp>
+      <p:sp>
+        <p:nvSpPr>
+          <p:cNvPr id="32" name="円/楕円 31"/>
+          <p:cNvSpPr/>
+          <p:nvPr/>
+        </p:nvSpPr>
+        <p:spPr bwMode="blackGray">
+          <a:xfrm>
+            <a:off x="6660232" y="2420888"/>
+            <a:ext cx="108000" cy="108000"/>
+          </a:xfrm>
+          <a:prstGeom prst="ellipse">
+            <a:avLst/>
+          </a:prstGeom>
+          <a:solidFill>
+            <a:schemeClr val="tx1">
+              <a:lumMod val="50000"/>
+              <a:lumOff val="50000"/>
+            </a:schemeClr>
+          </a:solidFill>
+          <a:ln w="9525">
+            <a:solidFill>
+              <a:srgbClr val="0070C0"/>
+            </a:solidFill>
+            <a:round/>
+            <a:headEnd/>
+            <a:tailEnd/>
+          </a:ln>
+          <a:extLst/>
+        </p:spPr>
+        <p:txBody>
+          <a:bodyPr rtlCol="0" anchor="ctr"/>
+          <a:lstStyle/>
+          <a:p>
+            <a:pPr algn="ctr"/>
+            <a:endParaRPr kumimoji="1" lang="ja-JP" altLang="en-US"/>
+          </a:p>
+        </p:txBody>
+      </p:sp>
+      <p:sp>
+        <p:nvSpPr>
+          <p:cNvPr id="35" name="テキスト ボックス 34"/>
+          <p:cNvSpPr txBox="1"/>
+          <p:nvPr/>
+        </p:nvSpPr>
+        <p:spPr>
+          <a:xfrm>
+            <a:off x="6872289" y="3429000"/>
+            <a:ext cx="1660151" cy="830997"/>
+          </a:xfrm>
+          <a:prstGeom prst="rect">
+            <a:avLst/>
+          </a:prstGeom>
+          <a:solidFill>
+            <a:schemeClr val="bg1"/>
+          </a:solidFill>
+        </p:spPr>
+        <p:txBody>
+          <a:bodyPr wrap="square" rtlCol="0">
+            <a:spAutoFit/>
+          </a:bodyPr>
+          <a:lstStyle/>
+          <a:p>
+            <a:r>
+              <a:rPr lang="en-US" altLang="ja-JP" sz="1600" b="1" dirty="0" smtClean="0">
+                <a:solidFill>
+                  <a:srgbClr val="0070C0"/>
+                </a:solidFill>
+              </a:rPr>
+              <a:t>EDSL for Poisson eq. solver</a:t>
+            </a:r>
+            <a:endParaRPr kumimoji="1" lang="ja-JP" altLang="en-US" sz="1600" b="1" dirty="0">
+              <a:solidFill>
+                <a:srgbClr val="0070C0"/>
+              </a:solidFill>
+            </a:endParaRPr>
+          </a:p>
+        </p:txBody>
+      </p:sp>
       <p:sp>
         <p:nvSpPr>
           <p:cNvPr id="39" name="テキスト ボックス 38"/>
@@ -8861,13 +8805,16 @@
         </p:nvSpPr>
         <p:spPr>
           <a:xfrm>
-            <a:off x="5292080" y="3327375"/>
+            <a:off x="5148064" y="3429000"/>
             <a:ext cx="1227691" cy="461665"/>
           </a:xfrm>
           <a:prstGeom prst="rect">
             <a:avLst/>
           </a:prstGeom>
           <a:noFill/>
+          <a:ln>
+            <a:noFill/>
+          </a:ln>
         </p:spPr>
         <p:txBody>
           <a:bodyPr wrap="square" rtlCol="0">
@@ -8876,10 +8823,18 @@
           <a:lstStyle/>
           <a:p>
             <a:r>
-              <a:rPr lang="en-US" altLang="ja-JP" sz="1200" dirty="0" smtClean="0"/>
+              <a:rPr lang="en-US" altLang="ja-JP" sz="1200" dirty="0" smtClean="0">
+                <a:solidFill>
+                  <a:srgbClr val="0070C0"/>
+                </a:solidFill>
+              </a:rPr>
               <a:t>Semantic model</a:t>
             </a:r>
-            <a:endParaRPr kumimoji="1" lang="ja-JP" altLang="en-US" sz="1200" dirty="0"/>
+            <a:endParaRPr kumimoji="1" lang="ja-JP" altLang="en-US" sz="1200" dirty="0">
+              <a:solidFill>
+                <a:srgbClr val="0070C0"/>
+              </a:solidFill>
+            </a:endParaRPr>
           </a:p>
         </p:txBody>
       </p:sp>
@@ -8891,7 +8846,7 @@
         </p:nvSpPr>
         <p:spPr>
           <a:xfrm>
-            <a:off x="5076056" y="3419708"/>
+            <a:off x="5004048" y="3501008"/>
             <a:ext cx="319318" cy="369332"/>
           </a:xfrm>
           <a:prstGeom prst="rect">
@@ -8906,10 +8861,18 @@
           <a:lstStyle/>
           <a:p>
             <a:r>
-              <a:rPr kumimoji="1" lang="en-US" altLang="ja-JP" dirty="0" smtClean="0"/>
+              <a:rPr kumimoji="1" lang="en-US" altLang="ja-JP" dirty="0" smtClean="0">
+                <a:solidFill>
+                  <a:srgbClr val="0070C0"/>
+                </a:solidFill>
+              </a:rPr>
               <a:t>+</a:t>
             </a:r>
-            <a:endParaRPr kumimoji="1" lang="ja-JP" altLang="en-US" dirty="0"/>
+            <a:endParaRPr kumimoji="1" lang="ja-JP" altLang="en-US" dirty="0">
+              <a:solidFill>
+                <a:srgbClr val="0070C0"/>
+              </a:solidFill>
+            </a:endParaRPr>
           </a:p>
         </p:txBody>
       </p:sp>
@@ -8981,11 +8944,13 @@
           <a:prstGeom prst="line">
             <a:avLst/>
           </a:prstGeom>
-          <a:ln w="22225">
+          <a:ln w="22225" cmpd="sng">
             <a:solidFill>
-              <a:srgbClr val="FF0000"/>
+              <a:srgbClr val="FF0000">
+                <a:alpha val="48000"/>
+              </a:srgbClr>
             </a:solidFill>
-            <a:prstDash val="dash"/>
+            <a:prstDash val="solid"/>
             <a:tailEnd type="none"/>
           </a:ln>
         </p:spPr>
@@ -9112,26 +9077,266 @@
           </a:extLst>
         </p:spPr>
       </p:pic>
+      <p:sp>
+        <p:nvSpPr>
+          <p:cNvPr id="42" name="テキスト ボックス 41"/>
+          <p:cNvSpPr txBox="1"/>
+          <p:nvPr/>
+        </p:nvSpPr>
+        <p:spPr>
+          <a:xfrm>
+            <a:off x="1594798" y="4365104"/>
+            <a:ext cx="312906" cy="369332"/>
+          </a:xfrm>
+          <a:prstGeom prst="rect">
+            <a:avLst/>
+          </a:prstGeom>
+          <a:noFill/>
+        </p:spPr>
+        <p:txBody>
+          <a:bodyPr wrap="none" rtlCol="0">
+            <a:spAutoFit/>
+          </a:bodyPr>
+          <a:lstStyle/>
+          <a:p>
+            <a:r>
+              <a:rPr lang="en-US" altLang="ja-JP" dirty="0" smtClean="0">
+                <a:solidFill>
+                  <a:srgbClr val="FF0000"/>
+                </a:solidFill>
+              </a:rPr>
+              <a:t>1</a:t>
+            </a:r>
+            <a:endParaRPr kumimoji="1" lang="ja-JP" altLang="en-US" dirty="0">
+              <a:solidFill>
+                <a:srgbClr val="FF0000"/>
+              </a:solidFill>
+            </a:endParaRPr>
+          </a:p>
+        </p:txBody>
+      </p:sp>
+      <p:sp>
+        <p:nvSpPr>
+          <p:cNvPr id="25" name="下矢印 24"/>
+          <p:cNvSpPr/>
+          <p:nvPr/>
+        </p:nvSpPr>
+        <p:spPr bwMode="blackGray">
+          <a:xfrm flipV="1">
+            <a:off x="5508104" y="3996353"/>
+            <a:ext cx="216024" cy="521478"/>
+          </a:xfrm>
+          <a:prstGeom prst="downArrow">
+            <a:avLst/>
+          </a:prstGeom>
+          <a:noFill/>
+          <a:ln w="9525">
+            <a:solidFill>
+              <a:schemeClr val="tx1"/>
+            </a:solidFill>
+            <a:round/>
+            <a:headEnd/>
+            <a:tailEnd/>
+          </a:ln>
+          <a:extLst>
+            <a:ext uri="{909E8E84-426E-40DD-AFC4-6F175D3DCCD1}">
+              <a14:hiddenFill xmlns:a14="http://schemas.microsoft.com/office/drawing/2010/main">
+                <a:noFill/>
+              </a14:hiddenFill>
+            </a:ext>
+          </a:extLst>
+        </p:spPr>
+        <p:txBody>
+          <a:bodyPr rtlCol="0" anchor="ctr"/>
+          <a:lstStyle/>
+          <a:p>
+            <a:pPr algn="ctr"/>
+            <a:endParaRPr kumimoji="1" lang="ja-JP" altLang="en-US"/>
+          </a:p>
+        </p:txBody>
+      </p:sp>
+      <p:sp>
+        <p:nvSpPr>
+          <p:cNvPr id="28" name="テキスト ボックス 27"/>
+          <p:cNvSpPr txBox="1"/>
+          <p:nvPr/>
+        </p:nvSpPr>
+        <p:spPr>
+          <a:xfrm>
+            <a:off x="5724128" y="4119463"/>
+            <a:ext cx="1656184" cy="461665"/>
+          </a:xfrm>
+          <a:prstGeom prst="rect">
+            <a:avLst/>
+          </a:prstGeom>
+          <a:noFill/>
+        </p:spPr>
+        <p:txBody>
+          <a:bodyPr wrap="square" rtlCol="0">
+            <a:spAutoFit/>
+          </a:bodyPr>
+          <a:lstStyle/>
+          <a:p>
+            <a:r>
+              <a:rPr lang="en-US" altLang="ja-JP" sz="1200" dirty="0"/>
+              <a:t>P</a:t>
+            </a:r>
+            <a:r>
+              <a:rPr kumimoji="1" lang="en-US" altLang="ja-JP" sz="1200" dirty="0" smtClean="0"/>
+              <a:t>arallelization </a:t>
+            </a:r>
+          </a:p>
+          <a:p>
+            <a:r>
+              <a:rPr kumimoji="1" lang="en-US" altLang="ja-JP" sz="1200" dirty="0" smtClean="0"/>
+              <a:t>by </a:t>
+            </a:r>
+            <a:r>
+              <a:rPr kumimoji="1" lang="en-US" altLang="ja-JP" sz="1200" dirty="0" smtClean="0"/>
+              <a:t>C++ compiler</a:t>
+            </a:r>
+            <a:endParaRPr kumimoji="1" lang="ja-JP" altLang="en-US" sz="1200" dirty="0"/>
+          </a:p>
+        </p:txBody>
+      </p:sp>
+      <p:sp>
+        <p:nvSpPr>
+          <p:cNvPr id="51" name="テキスト ボックス 50"/>
+          <p:cNvSpPr txBox="1"/>
+          <p:nvPr/>
+        </p:nvSpPr>
+        <p:spPr>
+          <a:xfrm>
+            <a:off x="2627784" y="2535287"/>
+            <a:ext cx="1330164" cy="461665"/>
+          </a:xfrm>
+          <a:prstGeom prst="rect">
+            <a:avLst/>
+          </a:prstGeom>
+          <a:noFill/>
+          <a:ln>
+            <a:solidFill>
+              <a:schemeClr val="bg1"/>
+            </a:solidFill>
+          </a:ln>
+        </p:spPr>
+        <p:txBody>
+          <a:bodyPr wrap="square" rtlCol="0">
+            <a:spAutoFit/>
+          </a:bodyPr>
+          <a:lstStyle/>
+          <a:p>
+            <a:r>
+              <a:rPr lang="en-US" altLang="ja-JP" sz="1200" dirty="0">
+                <a:solidFill>
+                  <a:srgbClr val="FF0000"/>
+                </a:solidFill>
+              </a:rPr>
+              <a:t>P</a:t>
+            </a:r>
+            <a:r>
+              <a:rPr kumimoji="1" lang="en-US" altLang="ja-JP" sz="1200" dirty="0" smtClean="0">
+                <a:solidFill>
+                  <a:srgbClr val="FF0000"/>
+                </a:solidFill>
+              </a:rPr>
+              <a:t>arallelization</a:t>
+            </a:r>
+            <a:r>
+              <a:rPr lang="ja-JP" altLang="en-US" sz="1200" dirty="0" smtClean="0">
+                <a:solidFill>
+                  <a:srgbClr val="FF0000"/>
+                </a:solidFill>
+              </a:rPr>
+              <a:t> </a:t>
+            </a:r>
+            <a:endParaRPr lang="en-US" altLang="ja-JP" sz="1200" dirty="0" smtClean="0">
+              <a:solidFill>
+                <a:srgbClr val="FF0000"/>
+              </a:solidFill>
+            </a:endParaRPr>
+          </a:p>
+          <a:p>
+            <a:r>
+              <a:rPr lang="en-US" altLang="ja-JP" sz="1200" dirty="0" smtClean="0">
+                <a:solidFill>
+                  <a:srgbClr val="FF0000"/>
+                </a:solidFill>
+              </a:rPr>
+              <a:t>by hand</a:t>
+            </a:r>
+            <a:endParaRPr kumimoji="1" lang="en-US" altLang="ja-JP" sz="1200" dirty="0" smtClean="0">
+              <a:solidFill>
+                <a:srgbClr val="FF0000"/>
+              </a:solidFill>
+            </a:endParaRPr>
+          </a:p>
+        </p:txBody>
+      </p:sp>
+      <p:sp>
+        <p:nvSpPr>
+          <p:cNvPr id="33" name="テキスト ボックス 32"/>
+          <p:cNvSpPr txBox="1"/>
+          <p:nvPr/>
+        </p:nvSpPr>
+        <p:spPr>
+          <a:xfrm>
+            <a:off x="2010772" y="4869160"/>
+            <a:ext cx="5801588" cy="369332"/>
+          </a:xfrm>
+          <a:prstGeom prst="rect">
+            <a:avLst/>
+          </a:prstGeom>
+          <a:noFill/>
+        </p:spPr>
+        <p:txBody>
+          <a:bodyPr wrap="none" rtlCol="0">
+            <a:spAutoFit/>
+          </a:bodyPr>
+          <a:lstStyle/>
+          <a:p>
+            <a:r>
+              <a:rPr kumimoji="1" lang="en-US" altLang="ja-JP" dirty="0" smtClean="0"/>
+              <a:t>Expressiveness of </a:t>
+            </a:r>
+            <a:r>
+              <a:rPr kumimoji="1" lang="en-US" altLang="ja-JP" dirty="0" smtClean="0"/>
+              <a:t>C++ code </a:t>
+            </a:r>
+            <a:r>
+              <a:rPr kumimoji="1" lang="en-US" altLang="ja-JP" dirty="0" smtClean="0"/>
+              <a:t>in </a:t>
+            </a:r>
+            <a:r>
+              <a:rPr lang="en-US" altLang="ja-JP" dirty="0" smtClean="0"/>
+              <a:t>mathematical modeling</a:t>
+            </a:r>
+            <a:endParaRPr kumimoji="1" lang="ja-JP" altLang="en-US" dirty="0"/>
+          </a:p>
+        </p:txBody>
+      </p:sp>
       <p:cxnSp>
         <p:nvCxnSpPr>
-          <p:cNvPr id="40" name="直線コネクタ 39"/>
-          <p:cNvCxnSpPr/>
+          <p:cNvPr id="37" name="直線矢印コネクタ 36"/>
+          <p:cNvCxnSpPr>
+            <a:stCxn id="13" idx="5"/>
+          </p:cNvCxnSpPr>
           <p:nvPr/>
         </p:nvCxnSpPr>
         <p:spPr>
-          <a:xfrm>
-            <a:off x="1979712" y="3933056"/>
-            <a:ext cx="5544616" cy="0"/>
+          <a:xfrm flipV="1">
+            <a:off x="4484176" y="3915048"/>
+            <a:ext cx="2194064" cy="0"/>
           </a:xfrm>
-          <a:prstGeom prst="line">
+          <a:prstGeom prst="straightConnector1">
             <a:avLst/>
           </a:prstGeom>
           <a:ln w="22225">
             <a:solidFill>
-              <a:schemeClr val="tx1"/>
+              <a:srgbClr val="0070C0"/>
             </a:solidFill>
             <a:prstDash val="dash"/>
-            <a:tailEnd type="none"/>
+            <a:tailEnd type="arrow"/>
           </a:ln>
         </p:spPr>
         <p:style>
@@ -9151,52 +9356,53 @@
       </p:cxnSp>
       <p:sp>
         <p:nvSpPr>
-          <p:cNvPr id="42" name="テキスト ボックス 41"/>
-          <p:cNvSpPr txBox="1"/>
+          <p:cNvPr id="45" name="円/楕円 44"/>
+          <p:cNvSpPr/>
           <p:nvPr/>
         </p:nvSpPr>
-        <p:spPr>
+        <p:spPr bwMode="blackGray">
           <a:xfrm>
-            <a:off x="1594798" y="4365104"/>
-            <a:ext cx="312906" cy="369332"/>
+            <a:off x="6660232" y="3861048"/>
+            <a:ext cx="108000" cy="108000"/>
           </a:xfrm>
-          <a:prstGeom prst="rect">
+          <a:prstGeom prst="ellipse">
             <a:avLst/>
           </a:prstGeom>
-          <a:noFill/>
-        </p:spPr>
-        <p:txBody>
-          <a:bodyPr wrap="none" rtlCol="0">
-            <a:spAutoFit/>
-          </a:bodyPr>
+          <a:solidFill>
+            <a:schemeClr val="tx1">
+              <a:lumMod val="50000"/>
+              <a:lumOff val="50000"/>
+            </a:schemeClr>
+          </a:solidFill>
+          <a:ln w="9525">
+            <a:solidFill>
+              <a:srgbClr val="0070C0"/>
+            </a:solidFill>
+            <a:round/>
+            <a:headEnd/>
+            <a:tailEnd/>
+          </a:ln>
+          <a:extLst/>
+        </p:spPr>
+        <p:txBody>
+          <a:bodyPr rtlCol="0" anchor="ctr"/>
           <a:lstStyle/>
           <a:p>
-            <a:r>
-              <a:rPr lang="en-US" altLang="ja-JP" dirty="0" smtClean="0">
-                <a:solidFill>
-                  <a:srgbClr val="FF0000"/>
-                </a:solidFill>
-              </a:rPr>
-              <a:t>1</a:t>
-            </a:r>
-            <a:endParaRPr kumimoji="1" lang="ja-JP" altLang="en-US" dirty="0">
-              <a:solidFill>
-                <a:srgbClr val="FF0000"/>
-              </a:solidFill>
-            </a:endParaRPr>
-          </a:p>
-        </p:txBody>
-      </p:sp>
-      <p:sp>
-        <p:nvSpPr>
-          <p:cNvPr id="25" name="下矢印 24"/>
+            <a:pPr algn="ctr"/>
+            <a:endParaRPr kumimoji="1" lang="ja-JP" altLang="en-US"/>
+          </a:p>
+        </p:txBody>
+      </p:sp>
+      <p:sp>
+        <p:nvSpPr>
+          <p:cNvPr id="47" name="下矢印 46"/>
           <p:cNvSpPr/>
           <p:nvPr/>
         </p:nvSpPr>
         <p:spPr bwMode="blackGray">
           <a:xfrm flipV="1">
-            <a:off x="5652120" y="3996353"/>
-            <a:ext cx="216024" cy="521478"/>
+            <a:off x="2483768" y="2132856"/>
+            <a:ext cx="216024" cy="1728192"/>
           </a:xfrm>
           <a:prstGeom prst="downArrow">
             <a:avLst/>
@@ -9204,8 +9410,9 @@
           <a:noFill/>
           <a:ln w="9525">
             <a:solidFill>
-              <a:srgbClr val="0070C0"/>
+              <a:srgbClr val="FF0000"/>
             </a:solidFill>
+            <a:prstDash val="dash"/>
             <a:round/>
             <a:headEnd/>
             <a:tailEnd/>
@@ -9229,14 +9436,14 @@
       </p:sp>
       <p:sp>
         <p:nvSpPr>
-          <p:cNvPr id="49" name="下矢印 48"/>
+          <p:cNvPr id="48" name="下矢印 47"/>
           <p:cNvSpPr/>
           <p:nvPr/>
         </p:nvSpPr>
         <p:spPr bwMode="blackGray">
           <a:xfrm flipV="1">
-            <a:off x="6624240" y="2636912"/>
-            <a:ext cx="180008" cy="1241558"/>
+            <a:off x="6624240" y="2564902"/>
+            <a:ext cx="180008" cy="1296145"/>
           </a:xfrm>
           <a:prstGeom prst="downArrow">
             <a:avLst/>
@@ -9246,6 +9453,7 @@
             <a:solidFill>
               <a:srgbClr val="0070C0"/>
             </a:solidFill>
+            <a:prstDash val="dash"/>
             <a:round/>
             <a:headEnd/>
             <a:tailEnd/>
@@ -9269,93 +9477,23 @@
       </p:sp>
       <p:sp>
         <p:nvSpPr>
-          <p:cNvPr id="28" name="テキスト ボックス 27"/>
-          <p:cNvSpPr txBox="1"/>
-          <p:nvPr/>
-        </p:nvSpPr>
-        <p:spPr>
-          <a:xfrm>
-            <a:off x="5868144" y="4005064"/>
-            <a:ext cx="2232248" cy="523220"/>
-          </a:xfrm>
-          <a:prstGeom prst="rect">
-            <a:avLst/>
-          </a:prstGeom>
-          <a:noFill/>
-        </p:spPr>
-        <p:txBody>
-          <a:bodyPr wrap="square" rtlCol="0">
-            <a:spAutoFit/>
-          </a:bodyPr>
-          <a:lstStyle/>
-          <a:p>
-            <a:r>
-              <a:rPr kumimoji="1" lang="en-US" altLang="ja-JP" sz="1400" dirty="0" smtClean="0"/>
-              <a:t>Automatic parallelization by C++ compiler</a:t>
-            </a:r>
-            <a:endParaRPr kumimoji="1" lang="ja-JP" altLang="en-US" sz="1400" dirty="0"/>
-          </a:p>
-        </p:txBody>
-      </p:sp>
-      <p:sp>
-        <p:nvSpPr>
-          <p:cNvPr id="53" name="テキスト ボックス 52"/>
-          <p:cNvSpPr txBox="1"/>
-          <p:nvPr/>
-        </p:nvSpPr>
-        <p:spPr>
-          <a:xfrm>
-            <a:off x="6842236" y="2852936"/>
-            <a:ext cx="1330164" cy="738664"/>
-          </a:xfrm>
-          <a:prstGeom prst="rect">
-            <a:avLst/>
-          </a:prstGeom>
-          <a:noFill/>
-          <a:ln>
-            <a:solidFill>
-              <a:schemeClr val="bg1"/>
-            </a:solidFill>
-          </a:ln>
-        </p:spPr>
-        <p:txBody>
-          <a:bodyPr wrap="square" rtlCol="0">
-            <a:spAutoFit/>
-          </a:bodyPr>
-          <a:lstStyle/>
-          <a:p>
-            <a:r>
-              <a:rPr lang="en-US" altLang="ja-JP" sz="1400" b="1" dirty="0" smtClean="0">
-                <a:solidFill>
-                  <a:srgbClr val="0070C0"/>
-                </a:solidFill>
-              </a:rPr>
-              <a:t>Reordering of control volumes</a:t>
-            </a:r>
-            <a:endParaRPr kumimoji="1" lang="ja-JP" altLang="en-US" sz="1400" b="1" dirty="0">
-              <a:solidFill>
-                <a:srgbClr val="0070C0"/>
-              </a:solidFill>
-            </a:endParaRPr>
-          </a:p>
-        </p:txBody>
-      </p:sp>
-      <p:sp>
-        <p:nvSpPr>
-          <p:cNvPr id="36" name="円/楕円 35"/>
+          <p:cNvPr id="52" name="円/楕円 51"/>
           <p:cNvSpPr/>
           <p:nvPr/>
         </p:nvSpPr>
         <p:spPr bwMode="blackGray">
           <a:xfrm>
-            <a:off x="2519784" y="1988840"/>
+            <a:off x="2537780" y="1988598"/>
             <a:ext cx="108000" cy="108000"/>
           </a:xfrm>
           <a:prstGeom prst="ellipse">
             <a:avLst/>
           </a:prstGeom>
           <a:solidFill>
-            <a:schemeClr val="tx1"/>
+            <a:schemeClr val="tx1">
+              <a:lumMod val="50000"/>
+              <a:lumOff val="50000"/>
+            </a:schemeClr>
           </a:solidFill>
           <a:ln w="9525">
             <a:solidFill>
@@ -9373,89 +9511,6 @@
           <a:p>
             <a:pPr algn="ctr"/>
             <a:endParaRPr kumimoji="1" lang="ja-JP" altLang="en-US"/>
-          </a:p>
-        </p:txBody>
-      </p:sp>
-      <p:sp>
-        <p:nvSpPr>
-          <p:cNvPr id="50" name="下矢印 49"/>
-          <p:cNvSpPr/>
-          <p:nvPr/>
-        </p:nvSpPr>
-        <p:spPr bwMode="blackGray">
-          <a:xfrm flipV="1">
-            <a:off x="2483768" y="2219987"/>
-            <a:ext cx="198839" cy="1586475"/>
-          </a:xfrm>
-          <a:prstGeom prst="downArrow">
-            <a:avLst/>
-          </a:prstGeom>
-          <a:noFill/>
-          <a:ln w="9525">
-            <a:solidFill>
-              <a:srgbClr val="FF0000"/>
-            </a:solidFill>
-            <a:round/>
-            <a:headEnd/>
-            <a:tailEnd/>
-          </a:ln>
-          <a:extLst>
-            <a:ext uri="{909E8E84-426E-40DD-AFC4-6F175D3DCCD1}">
-              <a14:hiddenFill xmlns:a14="http://schemas.microsoft.com/office/drawing/2010/main">
-                <a:noFill/>
-              </a14:hiddenFill>
-            </a:ext>
-          </a:extLst>
-        </p:spPr>
-        <p:txBody>
-          <a:bodyPr rtlCol="0" anchor="ctr"/>
-          <a:lstStyle/>
-          <a:p>
-            <a:pPr algn="ctr"/>
-            <a:endParaRPr kumimoji="1" lang="ja-JP" altLang="en-US"/>
-          </a:p>
-        </p:txBody>
-      </p:sp>
-      <p:sp>
-        <p:nvSpPr>
-          <p:cNvPr id="51" name="テキスト ボックス 50"/>
-          <p:cNvSpPr txBox="1"/>
-          <p:nvPr/>
-        </p:nvSpPr>
-        <p:spPr>
-          <a:xfrm>
-            <a:off x="2699792" y="2132856"/>
-            <a:ext cx="1330164" cy="523220"/>
-          </a:xfrm>
-          <a:prstGeom prst="rect">
-            <a:avLst/>
-          </a:prstGeom>
-          <a:noFill/>
-          <a:ln>
-            <a:solidFill>
-              <a:schemeClr val="bg1"/>
-            </a:solidFill>
-          </a:ln>
-        </p:spPr>
-        <p:txBody>
-          <a:bodyPr wrap="square" rtlCol="0">
-            <a:spAutoFit/>
-          </a:bodyPr>
-          <a:lstStyle/>
-          <a:p>
-            <a:r>
-              <a:rPr kumimoji="1" lang="en-US" altLang="ja-JP" sz="1400" dirty="0" smtClean="0">
-                <a:solidFill>
-                  <a:srgbClr val="FF0000"/>
-                </a:solidFill>
-              </a:rPr>
-              <a:t>Manual parallelization</a:t>
-            </a:r>
-            <a:endParaRPr kumimoji="1" lang="ja-JP" altLang="en-US" sz="1400" dirty="0">
-              <a:solidFill>
-                <a:srgbClr val="FF0000"/>
-              </a:solidFill>
-            </a:endParaRPr>
           </a:p>
         </p:txBody>
       </p:sp>

--- a/doc/source/figures.pptx
+++ b/doc/source/figures.pptx
@@ -193,7 +193,7 @@
           <a:p>
             <a:fld id="{06619A14-1920-4585-AAED-A0A3040C0CE8}" type="datetimeFigureOut">
               <a:rPr kumimoji="1" lang="ja-JP" altLang="en-US" smtClean="0"/>
-              <a:t>2016/2/22</a:t>
+              <a:t>2016/2/23</a:t>
             </a:fld>
             <a:endParaRPr kumimoji="1" lang="ja-JP" altLang="en-US"/>
           </a:p>
@@ -7443,15 +7443,7 @@
           <a:p>
             <a:r>
               <a:rPr kumimoji="1" lang="en-US" altLang="ja-JP" dirty="0" smtClean="0"/>
-              <a:t>Expressiveness of </a:t>
-            </a:r>
-            <a:r>
-              <a:rPr kumimoji="1" lang="en-US" altLang="ja-JP" dirty="0" smtClean="0"/>
-              <a:t>C++ code </a:t>
-            </a:r>
-            <a:r>
-              <a:rPr kumimoji="1" lang="en-US" altLang="ja-JP" dirty="0" smtClean="0"/>
-              <a:t>in </a:t>
+              <a:t>Expressiveness of C++ code in </a:t>
             </a:r>
             <a:r>
               <a:rPr lang="en-US" altLang="ja-JP" dirty="0" smtClean="0"/>
@@ -7639,11 +7631,7 @@
             <a:pPr algn="r"/>
             <a:r>
               <a:rPr lang="en-US" altLang="ja-JP" sz="1600" dirty="0" smtClean="0"/>
-              <a:t>Matrix &amp; vector</a:t>
-            </a:r>
-            <a:r>
-              <a:rPr lang="en-US" altLang="ja-JP" sz="1600" dirty="0" smtClean="0"/>
-              <a:t> </a:t>
+              <a:t>Matrix &amp; vector </a:t>
             </a:r>
           </a:p>
           <a:p>
@@ -7997,15 +7985,7 @@
                   <a:srgbClr val="FF0000"/>
                 </a:solidFill>
               </a:rPr>
-              <a:t>Expressiveness </a:t>
-            </a:r>
-            <a:r>
-              <a:rPr lang="en-US" altLang="ja-JP" sz="1400" dirty="0" smtClean="0">
-                <a:solidFill>
-                  <a:srgbClr val="FF0000"/>
-                </a:solidFill>
-              </a:rPr>
-              <a:t>limit of OOP</a:t>
+              <a:t>Expressiveness limit of OOP</a:t>
             </a:r>
             <a:endParaRPr kumimoji="1" lang="ja-JP" altLang="en-US" sz="1400" dirty="0">
               <a:solidFill>
@@ -8069,9 +8049,118 @@
           </a:extLst>
         </p:spPr>
       </p:pic>
+      <p:cxnSp>
+        <p:nvCxnSpPr>
+          <p:cNvPr id="29" name="直線コネクタ 28"/>
+          <p:cNvCxnSpPr/>
+          <p:nvPr/>
+        </p:nvCxnSpPr>
+        <p:spPr>
+          <a:xfrm flipV="1">
+            <a:off x="4932040" y="4077072"/>
+            <a:ext cx="0" cy="936105"/>
+          </a:xfrm>
+          <a:prstGeom prst="line">
+            <a:avLst/>
+          </a:prstGeom>
+          <a:ln w="22225">
+            <a:solidFill>
+              <a:srgbClr val="FF0000"/>
+            </a:solidFill>
+            <a:prstDash val="dash"/>
+            <a:tailEnd type="none"/>
+          </a:ln>
+        </p:spPr>
+        <p:style>
+          <a:lnRef idx="1">
+            <a:schemeClr val="accent1"/>
+          </a:lnRef>
+          <a:fillRef idx="0">
+            <a:schemeClr val="accent1"/>
+          </a:fillRef>
+          <a:effectRef idx="0">
+            <a:schemeClr val="accent1"/>
+          </a:effectRef>
+          <a:fontRef idx="minor">
+            <a:schemeClr val="tx1"/>
+          </a:fontRef>
+        </p:style>
+      </p:cxnSp>
+      <p:sp>
+        <p:nvSpPr>
+          <p:cNvPr id="47" name="円/楕円 46"/>
+          <p:cNvSpPr/>
+          <p:nvPr/>
+        </p:nvSpPr>
+        <p:spPr bwMode="blackGray">
+          <a:xfrm>
+            <a:off x="4373984" y="4257104"/>
+            <a:ext cx="108000" cy="108000"/>
+          </a:xfrm>
+          <a:prstGeom prst="ellipse">
+            <a:avLst/>
+          </a:prstGeom>
+          <a:solidFill>
+            <a:schemeClr val="tx1"/>
+          </a:solidFill>
+          <a:ln w="9525">
+            <a:solidFill>
+              <a:srgbClr val="0070C0"/>
+            </a:solidFill>
+            <a:round/>
+            <a:headEnd/>
+            <a:tailEnd/>
+          </a:ln>
+          <a:extLst/>
+        </p:spPr>
+        <p:txBody>
+          <a:bodyPr rtlCol="0" anchor="ctr"/>
+          <a:lstStyle/>
+          <a:p>
+            <a:pPr algn="ctr"/>
+            <a:endParaRPr kumimoji="1" lang="ja-JP" altLang="en-US"/>
+          </a:p>
+        </p:txBody>
+      </p:sp>
+      <p:sp>
+        <p:nvSpPr>
+          <p:cNvPr id="48" name="円/楕円 47"/>
+          <p:cNvSpPr/>
+          <p:nvPr/>
+        </p:nvSpPr>
+        <p:spPr bwMode="blackGray">
+          <a:xfrm>
+            <a:off x="4355976" y="2708920"/>
+            <a:ext cx="108000" cy="108000"/>
+          </a:xfrm>
+          <a:prstGeom prst="ellipse">
+            <a:avLst/>
+          </a:prstGeom>
+          <a:solidFill>
+            <a:schemeClr val="tx1"/>
+          </a:solidFill>
+          <a:ln w="9525">
+            <a:solidFill>
+              <a:srgbClr val="0070C0"/>
+            </a:solidFill>
+            <a:round/>
+            <a:headEnd/>
+            <a:tailEnd/>
+          </a:ln>
+          <a:extLst/>
+        </p:spPr>
+        <p:txBody>
+          <a:bodyPr rtlCol="0" anchor="ctr"/>
+          <a:lstStyle/>
+          <a:p>
+            <a:pPr algn="ctr"/>
+            <a:endParaRPr kumimoji="1" lang="ja-JP" altLang="en-US"/>
+          </a:p>
+        </p:txBody>
+      </p:sp>
       <p:pic>
         <p:nvPicPr>
-          <p:cNvPr id="1031" name="Picture 7"/>
+          <p:cNvPr id="2" name="Picture 2"/>
           <p:cNvPicPr>
             <a:picLocks noChangeAspect="1" noChangeArrowheads="1"/>
           </p:cNvPicPr>
@@ -8092,8 +8181,8 @@
         </p:blipFill>
         <p:spPr bwMode="auto">
           <a:xfrm>
-            <a:off x="6516216" y="5381822"/>
-            <a:ext cx="1800200" cy="999506"/>
+            <a:off x="6518796" y="5373216"/>
+            <a:ext cx="1869628" cy="972318"/>
           </a:xfrm>
           <a:prstGeom prst="rect">
             <a:avLst/>
@@ -8123,115 +8212,6 @@
           </a:extLst>
         </p:spPr>
       </p:pic>
-      <p:cxnSp>
-        <p:nvCxnSpPr>
-          <p:cNvPr id="29" name="直線コネクタ 28"/>
-          <p:cNvCxnSpPr/>
-          <p:nvPr/>
-        </p:nvCxnSpPr>
-        <p:spPr>
-          <a:xfrm flipV="1">
-            <a:off x="4932040" y="4077072"/>
-            <a:ext cx="0" cy="936105"/>
-          </a:xfrm>
-          <a:prstGeom prst="line">
-            <a:avLst/>
-          </a:prstGeom>
-          <a:ln w="22225">
-            <a:solidFill>
-              <a:srgbClr val="FF0000"/>
-            </a:solidFill>
-            <a:prstDash val="dash"/>
-            <a:tailEnd type="none"/>
-          </a:ln>
-        </p:spPr>
-        <p:style>
-          <a:lnRef idx="1">
-            <a:schemeClr val="accent1"/>
-          </a:lnRef>
-          <a:fillRef idx="0">
-            <a:schemeClr val="accent1"/>
-          </a:fillRef>
-          <a:effectRef idx="0">
-            <a:schemeClr val="accent1"/>
-          </a:effectRef>
-          <a:fontRef idx="minor">
-            <a:schemeClr val="tx1"/>
-          </a:fontRef>
-        </p:style>
-      </p:cxnSp>
-      <p:sp>
-        <p:nvSpPr>
-          <p:cNvPr id="47" name="円/楕円 46"/>
-          <p:cNvSpPr/>
-          <p:nvPr/>
-        </p:nvSpPr>
-        <p:spPr bwMode="blackGray">
-          <a:xfrm>
-            <a:off x="4373984" y="4257104"/>
-            <a:ext cx="108000" cy="108000"/>
-          </a:xfrm>
-          <a:prstGeom prst="ellipse">
-            <a:avLst/>
-          </a:prstGeom>
-          <a:solidFill>
-            <a:schemeClr val="tx1"/>
-          </a:solidFill>
-          <a:ln w="9525">
-            <a:solidFill>
-              <a:srgbClr val="0070C0"/>
-            </a:solidFill>
-            <a:round/>
-            <a:headEnd/>
-            <a:tailEnd/>
-          </a:ln>
-          <a:extLst/>
-        </p:spPr>
-        <p:txBody>
-          <a:bodyPr rtlCol="0" anchor="ctr"/>
-          <a:lstStyle/>
-          <a:p>
-            <a:pPr algn="ctr"/>
-            <a:endParaRPr kumimoji="1" lang="ja-JP" altLang="en-US"/>
-          </a:p>
-        </p:txBody>
-      </p:sp>
-      <p:sp>
-        <p:nvSpPr>
-          <p:cNvPr id="48" name="円/楕円 47"/>
-          <p:cNvSpPr/>
-          <p:nvPr/>
-        </p:nvSpPr>
-        <p:spPr bwMode="blackGray">
-          <a:xfrm>
-            <a:off x="4355976" y="2708920"/>
-            <a:ext cx="108000" cy="108000"/>
-          </a:xfrm>
-          <a:prstGeom prst="ellipse">
-            <a:avLst/>
-          </a:prstGeom>
-          <a:solidFill>
-            <a:schemeClr val="tx1"/>
-          </a:solidFill>
-          <a:ln w="9525">
-            <a:solidFill>
-              <a:srgbClr val="0070C0"/>
-            </a:solidFill>
-            <a:round/>
-            <a:headEnd/>
-            <a:tailEnd/>
-          </a:ln>
-          <a:extLst/>
-        </p:spPr>
-        <p:txBody>
-          <a:bodyPr rtlCol="0" anchor="ctr"/>
-          <a:lstStyle/>
-          <a:p>
-            <a:pPr algn="ctr"/>
-            <a:endParaRPr kumimoji="1" lang="ja-JP" altLang="en-US"/>
-          </a:p>
-        </p:txBody>
-      </p:sp>
     </p:spTree>
     <p:extLst>
       <p:ext uri="{BB962C8B-B14F-4D97-AF65-F5344CB8AC3E}">
@@ -9023,9 +9003,434 @@
           </a:extLst>
         </p:spPr>
       </p:pic>
+      <p:sp>
+        <p:nvSpPr>
+          <p:cNvPr id="42" name="テキスト ボックス 41"/>
+          <p:cNvSpPr txBox="1"/>
+          <p:nvPr/>
+        </p:nvSpPr>
+        <p:spPr>
+          <a:xfrm>
+            <a:off x="1594798" y="4365104"/>
+            <a:ext cx="312906" cy="369332"/>
+          </a:xfrm>
+          <a:prstGeom prst="rect">
+            <a:avLst/>
+          </a:prstGeom>
+          <a:noFill/>
+        </p:spPr>
+        <p:txBody>
+          <a:bodyPr wrap="none" rtlCol="0">
+            <a:spAutoFit/>
+          </a:bodyPr>
+          <a:lstStyle/>
+          <a:p>
+            <a:r>
+              <a:rPr lang="en-US" altLang="ja-JP" dirty="0" smtClean="0">
+                <a:solidFill>
+                  <a:srgbClr val="FF0000"/>
+                </a:solidFill>
+              </a:rPr>
+              <a:t>1</a:t>
+            </a:r>
+            <a:endParaRPr kumimoji="1" lang="ja-JP" altLang="en-US" dirty="0">
+              <a:solidFill>
+                <a:srgbClr val="FF0000"/>
+              </a:solidFill>
+            </a:endParaRPr>
+          </a:p>
+        </p:txBody>
+      </p:sp>
+      <p:sp>
+        <p:nvSpPr>
+          <p:cNvPr id="25" name="下矢印 24"/>
+          <p:cNvSpPr/>
+          <p:nvPr/>
+        </p:nvSpPr>
+        <p:spPr bwMode="blackGray">
+          <a:xfrm flipV="1">
+            <a:off x="5508104" y="3996353"/>
+            <a:ext cx="216024" cy="521478"/>
+          </a:xfrm>
+          <a:prstGeom prst="downArrow">
+            <a:avLst/>
+          </a:prstGeom>
+          <a:noFill/>
+          <a:ln w="9525">
+            <a:solidFill>
+              <a:schemeClr val="tx1"/>
+            </a:solidFill>
+            <a:round/>
+            <a:headEnd/>
+            <a:tailEnd/>
+          </a:ln>
+          <a:extLst>
+            <a:ext uri="{909E8E84-426E-40DD-AFC4-6F175D3DCCD1}">
+              <a14:hiddenFill xmlns:a14="http://schemas.microsoft.com/office/drawing/2010/main">
+                <a:noFill/>
+              </a14:hiddenFill>
+            </a:ext>
+          </a:extLst>
+        </p:spPr>
+        <p:txBody>
+          <a:bodyPr rtlCol="0" anchor="ctr"/>
+          <a:lstStyle/>
+          <a:p>
+            <a:pPr algn="ctr"/>
+            <a:endParaRPr kumimoji="1" lang="ja-JP" altLang="en-US"/>
+          </a:p>
+        </p:txBody>
+      </p:sp>
+      <p:sp>
+        <p:nvSpPr>
+          <p:cNvPr id="28" name="テキスト ボックス 27"/>
+          <p:cNvSpPr txBox="1"/>
+          <p:nvPr/>
+        </p:nvSpPr>
+        <p:spPr>
+          <a:xfrm>
+            <a:off x="5724128" y="4119463"/>
+            <a:ext cx="1656184" cy="461665"/>
+          </a:xfrm>
+          <a:prstGeom prst="rect">
+            <a:avLst/>
+          </a:prstGeom>
+          <a:noFill/>
+        </p:spPr>
+        <p:txBody>
+          <a:bodyPr wrap="square" rtlCol="0">
+            <a:spAutoFit/>
+          </a:bodyPr>
+          <a:lstStyle/>
+          <a:p>
+            <a:r>
+              <a:rPr lang="en-US" altLang="ja-JP" sz="1200" dirty="0"/>
+              <a:t>P</a:t>
+            </a:r>
+            <a:r>
+              <a:rPr kumimoji="1" lang="en-US" altLang="ja-JP" sz="1200" dirty="0" smtClean="0"/>
+              <a:t>arallelization </a:t>
+            </a:r>
+          </a:p>
+          <a:p>
+            <a:r>
+              <a:rPr kumimoji="1" lang="en-US" altLang="ja-JP" sz="1200" dirty="0" smtClean="0"/>
+              <a:t>by C++ compiler</a:t>
+            </a:r>
+            <a:endParaRPr kumimoji="1" lang="ja-JP" altLang="en-US" sz="1200" dirty="0"/>
+          </a:p>
+        </p:txBody>
+      </p:sp>
+      <p:sp>
+        <p:nvSpPr>
+          <p:cNvPr id="51" name="テキスト ボックス 50"/>
+          <p:cNvSpPr txBox="1"/>
+          <p:nvPr/>
+        </p:nvSpPr>
+        <p:spPr>
+          <a:xfrm>
+            <a:off x="2627784" y="2535287"/>
+            <a:ext cx="1330164" cy="461665"/>
+          </a:xfrm>
+          <a:prstGeom prst="rect">
+            <a:avLst/>
+          </a:prstGeom>
+          <a:noFill/>
+          <a:ln>
+            <a:solidFill>
+              <a:schemeClr val="bg1"/>
+            </a:solidFill>
+          </a:ln>
+        </p:spPr>
+        <p:txBody>
+          <a:bodyPr wrap="square" rtlCol="0">
+            <a:spAutoFit/>
+          </a:bodyPr>
+          <a:lstStyle/>
+          <a:p>
+            <a:r>
+              <a:rPr lang="en-US" altLang="ja-JP" sz="1200" dirty="0">
+                <a:solidFill>
+                  <a:srgbClr val="FF0000"/>
+                </a:solidFill>
+              </a:rPr>
+              <a:t>P</a:t>
+            </a:r>
+            <a:r>
+              <a:rPr kumimoji="1" lang="en-US" altLang="ja-JP" sz="1200" dirty="0" smtClean="0">
+                <a:solidFill>
+                  <a:srgbClr val="FF0000"/>
+                </a:solidFill>
+              </a:rPr>
+              <a:t>arallelization</a:t>
+            </a:r>
+            <a:r>
+              <a:rPr lang="ja-JP" altLang="en-US" sz="1200" dirty="0" smtClean="0">
+                <a:solidFill>
+                  <a:srgbClr val="FF0000"/>
+                </a:solidFill>
+              </a:rPr>
+              <a:t> </a:t>
+            </a:r>
+            <a:endParaRPr lang="en-US" altLang="ja-JP" sz="1200" dirty="0" smtClean="0">
+              <a:solidFill>
+                <a:srgbClr val="FF0000"/>
+              </a:solidFill>
+            </a:endParaRPr>
+          </a:p>
+          <a:p>
+            <a:r>
+              <a:rPr lang="en-US" altLang="ja-JP" sz="1200" dirty="0" smtClean="0">
+                <a:solidFill>
+                  <a:srgbClr val="FF0000"/>
+                </a:solidFill>
+              </a:rPr>
+              <a:t>by hand</a:t>
+            </a:r>
+            <a:endParaRPr kumimoji="1" lang="en-US" altLang="ja-JP" sz="1200" dirty="0" smtClean="0">
+              <a:solidFill>
+                <a:srgbClr val="FF0000"/>
+              </a:solidFill>
+            </a:endParaRPr>
+          </a:p>
+        </p:txBody>
+      </p:sp>
+      <p:sp>
+        <p:nvSpPr>
+          <p:cNvPr id="33" name="テキスト ボックス 32"/>
+          <p:cNvSpPr txBox="1"/>
+          <p:nvPr/>
+        </p:nvSpPr>
+        <p:spPr>
+          <a:xfrm>
+            <a:off x="2010772" y="4869160"/>
+            <a:ext cx="5801588" cy="369332"/>
+          </a:xfrm>
+          <a:prstGeom prst="rect">
+            <a:avLst/>
+          </a:prstGeom>
+          <a:noFill/>
+        </p:spPr>
+        <p:txBody>
+          <a:bodyPr wrap="none" rtlCol="0">
+            <a:spAutoFit/>
+          </a:bodyPr>
+          <a:lstStyle/>
+          <a:p>
+            <a:r>
+              <a:rPr kumimoji="1" lang="en-US" altLang="ja-JP" dirty="0" smtClean="0"/>
+              <a:t>Expressiveness of C++ code in </a:t>
+            </a:r>
+            <a:r>
+              <a:rPr lang="en-US" altLang="ja-JP" dirty="0" smtClean="0"/>
+              <a:t>mathematical modeling</a:t>
+            </a:r>
+            <a:endParaRPr kumimoji="1" lang="ja-JP" altLang="en-US" dirty="0"/>
+          </a:p>
+        </p:txBody>
+      </p:sp>
+      <p:cxnSp>
+        <p:nvCxnSpPr>
+          <p:cNvPr id="37" name="直線矢印コネクタ 36"/>
+          <p:cNvCxnSpPr>
+            <a:stCxn id="13" idx="5"/>
+          </p:cNvCxnSpPr>
+          <p:nvPr/>
+        </p:nvCxnSpPr>
+        <p:spPr>
+          <a:xfrm flipV="1">
+            <a:off x="4484176" y="3915048"/>
+            <a:ext cx="2194064" cy="0"/>
+          </a:xfrm>
+          <a:prstGeom prst="straightConnector1">
+            <a:avLst/>
+          </a:prstGeom>
+          <a:ln w="22225">
+            <a:solidFill>
+              <a:srgbClr val="0070C0"/>
+            </a:solidFill>
+            <a:prstDash val="dash"/>
+            <a:tailEnd type="arrow"/>
+          </a:ln>
+        </p:spPr>
+        <p:style>
+          <a:lnRef idx="1">
+            <a:schemeClr val="accent1"/>
+          </a:lnRef>
+          <a:fillRef idx="0">
+            <a:schemeClr val="accent1"/>
+          </a:fillRef>
+          <a:effectRef idx="0">
+            <a:schemeClr val="accent1"/>
+          </a:effectRef>
+          <a:fontRef idx="minor">
+            <a:schemeClr val="tx1"/>
+          </a:fontRef>
+        </p:style>
+      </p:cxnSp>
+      <p:sp>
+        <p:nvSpPr>
+          <p:cNvPr id="45" name="円/楕円 44"/>
+          <p:cNvSpPr/>
+          <p:nvPr/>
+        </p:nvSpPr>
+        <p:spPr bwMode="blackGray">
+          <a:xfrm>
+            <a:off x="6660232" y="3861048"/>
+            <a:ext cx="108000" cy="108000"/>
+          </a:xfrm>
+          <a:prstGeom prst="ellipse">
+            <a:avLst/>
+          </a:prstGeom>
+          <a:solidFill>
+            <a:schemeClr val="tx1">
+              <a:lumMod val="50000"/>
+              <a:lumOff val="50000"/>
+            </a:schemeClr>
+          </a:solidFill>
+          <a:ln w="9525">
+            <a:solidFill>
+              <a:srgbClr val="0070C0"/>
+            </a:solidFill>
+            <a:round/>
+            <a:headEnd/>
+            <a:tailEnd/>
+          </a:ln>
+          <a:extLst/>
+        </p:spPr>
+        <p:txBody>
+          <a:bodyPr rtlCol="0" anchor="ctr"/>
+          <a:lstStyle/>
+          <a:p>
+            <a:pPr algn="ctr"/>
+            <a:endParaRPr kumimoji="1" lang="ja-JP" altLang="en-US"/>
+          </a:p>
+        </p:txBody>
+      </p:sp>
+      <p:sp>
+        <p:nvSpPr>
+          <p:cNvPr id="47" name="下矢印 46"/>
+          <p:cNvSpPr/>
+          <p:nvPr/>
+        </p:nvSpPr>
+        <p:spPr bwMode="blackGray">
+          <a:xfrm flipV="1">
+            <a:off x="2483768" y="2132856"/>
+            <a:ext cx="216024" cy="1728192"/>
+          </a:xfrm>
+          <a:prstGeom prst="downArrow">
+            <a:avLst/>
+          </a:prstGeom>
+          <a:noFill/>
+          <a:ln w="9525">
+            <a:solidFill>
+              <a:srgbClr val="FF0000"/>
+            </a:solidFill>
+            <a:prstDash val="dash"/>
+            <a:round/>
+            <a:headEnd/>
+            <a:tailEnd/>
+          </a:ln>
+          <a:extLst>
+            <a:ext uri="{909E8E84-426E-40DD-AFC4-6F175D3DCCD1}">
+              <a14:hiddenFill xmlns:a14="http://schemas.microsoft.com/office/drawing/2010/main">
+                <a:noFill/>
+              </a14:hiddenFill>
+            </a:ext>
+          </a:extLst>
+        </p:spPr>
+        <p:txBody>
+          <a:bodyPr rtlCol="0" anchor="ctr"/>
+          <a:lstStyle/>
+          <a:p>
+            <a:pPr algn="ctr"/>
+            <a:endParaRPr kumimoji="1" lang="ja-JP" altLang="en-US"/>
+          </a:p>
+        </p:txBody>
+      </p:sp>
+      <p:sp>
+        <p:nvSpPr>
+          <p:cNvPr id="48" name="下矢印 47"/>
+          <p:cNvSpPr/>
+          <p:nvPr/>
+        </p:nvSpPr>
+        <p:spPr bwMode="blackGray">
+          <a:xfrm flipV="1">
+            <a:off x="6624240" y="2564902"/>
+            <a:ext cx="180008" cy="1296145"/>
+          </a:xfrm>
+          <a:prstGeom prst="downArrow">
+            <a:avLst/>
+          </a:prstGeom>
+          <a:noFill/>
+          <a:ln w="9525">
+            <a:solidFill>
+              <a:srgbClr val="0070C0"/>
+            </a:solidFill>
+            <a:prstDash val="dash"/>
+            <a:round/>
+            <a:headEnd/>
+            <a:tailEnd/>
+          </a:ln>
+          <a:extLst>
+            <a:ext uri="{909E8E84-426E-40DD-AFC4-6F175D3DCCD1}">
+              <a14:hiddenFill xmlns:a14="http://schemas.microsoft.com/office/drawing/2010/main">
+                <a:noFill/>
+              </a14:hiddenFill>
+            </a:ext>
+          </a:extLst>
+        </p:spPr>
+        <p:txBody>
+          <a:bodyPr rtlCol="0" anchor="ctr"/>
+          <a:lstStyle/>
+          <a:p>
+            <a:pPr algn="ctr"/>
+            <a:endParaRPr kumimoji="1" lang="ja-JP" altLang="en-US"/>
+          </a:p>
+        </p:txBody>
+      </p:sp>
+      <p:sp>
+        <p:nvSpPr>
+          <p:cNvPr id="52" name="円/楕円 51"/>
+          <p:cNvSpPr/>
+          <p:nvPr/>
+        </p:nvSpPr>
+        <p:spPr bwMode="blackGray">
+          <a:xfrm>
+            <a:off x="2537780" y="1988598"/>
+            <a:ext cx="108000" cy="108000"/>
+          </a:xfrm>
+          <a:prstGeom prst="ellipse">
+            <a:avLst/>
+          </a:prstGeom>
+          <a:solidFill>
+            <a:schemeClr val="tx1">
+              <a:lumMod val="50000"/>
+              <a:lumOff val="50000"/>
+            </a:schemeClr>
+          </a:solidFill>
+          <a:ln w="9525">
+            <a:solidFill>
+              <a:srgbClr val="0070C0"/>
+            </a:solidFill>
+            <a:round/>
+            <a:headEnd/>
+            <a:tailEnd/>
+          </a:ln>
+          <a:extLst/>
+        </p:spPr>
+        <p:txBody>
+          <a:bodyPr rtlCol="0" anchor="ctr"/>
+          <a:lstStyle/>
+          <a:p>
+            <a:pPr algn="ctr"/>
+            <a:endParaRPr kumimoji="1" lang="ja-JP" altLang="en-US"/>
+          </a:p>
+        </p:txBody>
+      </p:sp>
       <p:pic>
         <p:nvPicPr>
-          <p:cNvPr id="1031" name="Picture 7"/>
+          <p:cNvPr id="34" name="Picture 2"/>
           <p:cNvPicPr>
             <a:picLocks noChangeAspect="1" noChangeArrowheads="1"/>
           </p:cNvPicPr>
@@ -9046,8 +9451,8 @@
         </p:blipFill>
         <p:spPr bwMode="auto">
           <a:xfrm>
-            <a:off x="6516216" y="5381822"/>
-            <a:ext cx="1800200" cy="999506"/>
+            <a:off x="6444208" y="5301208"/>
+            <a:ext cx="1869628" cy="972318"/>
           </a:xfrm>
           <a:prstGeom prst="rect">
             <a:avLst/>
@@ -9077,443 +9482,6 @@
           </a:extLst>
         </p:spPr>
       </p:pic>
-      <p:sp>
-        <p:nvSpPr>
-          <p:cNvPr id="42" name="テキスト ボックス 41"/>
-          <p:cNvSpPr txBox="1"/>
-          <p:nvPr/>
-        </p:nvSpPr>
-        <p:spPr>
-          <a:xfrm>
-            <a:off x="1594798" y="4365104"/>
-            <a:ext cx="312906" cy="369332"/>
-          </a:xfrm>
-          <a:prstGeom prst="rect">
-            <a:avLst/>
-          </a:prstGeom>
-          <a:noFill/>
-        </p:spPr>
-        <p:txBody>
-          <a:bodyPr wrap="none" rtlCol="0">
-            <a:spAutoFit/>
-          </a:bodyPr>
-          <a:lstStyle/>
-          <a:p>
-            <a:r>
-              <a:rPr lang="en-US" altLang="ja-JP" dirty="0" smtClean="0">
-                <a:solidFill>
-                  <a:srgbClr val="FF0000"/>
-                </a:solidFill>
-              </a:rPr>
-              <a:t>1</a:t>
-            </a:r>
-            <a:endParaRPr kumimoji="1" lang="ja-JP" altLang="en-US" dirty="0">
-              <a:solidFill>
-                <a:srgbClr val="FF0000"/>
-              </a:solidFill>
-            </a:endParaRPr>
-          </a:p>
-        </p:txBody>
-      </p:sp>
-      <p:sp>
-        <p:nvSpPr>
-          <p:cNvPr id="25" name="下矢印 24"/>
-          <p:cNvSpPr/>
-          <p:nvPr/>
-        </p:nvSpPr>
-        <p:spPr bwMode="blackGray">
-          <a:xfrm flipV="1">
-            <a:off x="5508104" y="3996353"/>
-            <a:ext cx="216024" cy="521478"/>
-          </a:xfrm>
-          <a:prstGeom prst="downArrow">
-            <a:avLst/>
-          </a:prstGeom>
-          <a:noFill/>
-          <a:ln w="9525">
-            <a:solidFill>
-              <a:schemeClr val="tx1"/>
-            </a:solidFill>
-            <a:round/>
-            <a:headEnd/>
-            <a:tailEnd/>
-          </a:ln>
-          <a:extLst>
-            <a:ext uri="{909E8E84-426E-40DD-AFC4-6F175D3DCCD1}">
-              <a14:hiddenFill xmlns:a14="http://schemas.microsoft.com/office/drawing/2010/main">
-                <a:noFill/>
-              </a14:hiddenFill>
-            </a:ext>
-          </a:extLst>
-        </p:spPr>
-        <p:txBody>
-          <a:bodyPr rtlCol="0" anchor="ctr"/>
-          <a:lstStyle/>
-          <a:p>
-            <a:pPr algn="ctr"/>
-            <a:endParaRPr kumimoji="1" lang="ja-JP" altLang="en-US"/>
-          </a:p>
-        </p:txBody>
-      </p:sp>
-      <p:sp>
-        <p:nvSpPr>
-          <p:cNvPr id="28" name="テキスト ボックス 27"/>
-          <p:cNvSpPr txBox="1"/>
-          <p:nvPr/>
-        </p:nvSpPr>
-        <p:spPr>
-          <a:xfrm>
-            <a:off x="5724128" y="4119463"/>
-            <a:ext cx="1656184" cy="461665"/>
-          </a:xfrm>
-          <a:prstGeom prst="rect">
-            <a:avLst/>
-          </a:prstGeom>
-          <a:noFill/>
-        </p:spPr>
-        <p:txBody>
-          <a:bodyPr wrap="square" rtlCol="0">
-            <a:spAutoFit/>
-          </a:bodyPr>
-          <a:lstStyle/>
-          <a:p>
-            <a:r>
-              <a:rPr lang="en-US" altLang="ja-JP" sz="1200" dirty="0"/>
-              <a:t>P</a:t>
-            </a:r>
-            <a:r>
-              <a:rPr kumimoji="1" lang="en-US" altLang="ja-JP" sz="1200" dirty="0" smtClean="0"/>
-              <a:t>arallelization </a:t>
-            </a:r>
-          </a:p>
-          <a:p>
-            <a:r>
-              <a:rPr kumimoji="1" lang="en-US" altLang="ja-JP" sz="1200" dirty="0" smtClean="0"/>
-              <a:t>by </a:t>
-            </a:r>
-            <a:r>
-              <a:rPr kumimoji="1" lang="en-US" altLang="ja-JP" sz="1200" dirty="0" smtClean="0"/>
-              <a:t>C++ compiler</a:t>
-            </a:r>
-            <a:endParaRPr kumimoji="1" lang="ja-JP" altLang="en-US" sz="1200" dirty="0"/>
-          </a:p>
-        </p:txBody>
-      </p:sp>
-      <p:sp>
-        <p:nvSpPr>
-          <p:cNvPr id="51" name="テキスト ボックス 50"/>
-          <p:cNvSpPr txBox="1"/>
-          <p:nvPr/>
-        </p:nvSpPr>
-        <p:spPr>
-          <a:xfrm>
-            <a:off x="2627784" y="2535287"/>
-            <a:ext cx="1330164" cy="461665"/>
-          </a:xfrm>
-          <a:prstGeom prst="rect">
-            <a:avLst/>
-          </a:prstGeom>
-          <a:noFill/>
-          <a:ln>
-            <a:solidFill>
-              <a:schemeClr val="bg1"/>
-            </a:solidFill>
-          </a:ln>
-        </p:spPr>
-        <p:txBody>
-          <a:bodyPr wrap="square" rtlCol="0">
-            <a:spAutoFit/>
-          </a:bodyPr>
-          <a:lstStyle/>
-          <a:p>
-            <a:r>
-              <a:rPr lang="en-US" altLang="ja-JP" sz="1200" dirty="0">
-                <a:solidFill>
-                  <a:srgbClr val="FF0000"/>
-                </a:solidFill>
-              </a:rPr>
-              <a:t>P</a:t>
-            </a:r>
-            <a:r>
-              <a:rPr kumimoji="1" lang="en-US" altLang="ja-JP" sz="1200" dirty="0" smtClean="0">
-                <a:solidFill>
-                  <a:srgbClr val="FF0000"/>
-                </a:solidFill>
-              </a:rPr>
-              <a:t>arallelization</a:t>
-            </a:r>
-            <a:r>
-              <a:rPr lang="ja-JP" altLang="en-US" sz="1200" dirty="0" smtClean="0">
-                <a:solidFill>
-                  <a:srgbClr val="FF0000"/>
-                </a:solidFill>
-              </a:rPr>
-              <a:t> </a:t>
-            </a:r>
-            <a:endParaRPr lang="en-US" altLang="ja-JP" sz="1200" dirty="0" smtClean="0">
-              <a:solidFill>
-                <a:srgbClr val="FF0000"/>
-              </a:solidFill>
-            </a:endParaRPr>
-          </a:p>
-          <a:p>
-            <a:r>
-              <a:rPr lang="en-US" altLang="ja-JP" sz="1200" dirty="0" smtClean="0">
-                <a:solidFill>
-                  <a:srgbClr val="FF0000"/>
-                </a:solidFill>
-              </a:rPr>
-              <a:t>by hand</a:t>
-            </a:r>
-            <a:endParaRPr kumimoji="1" lang="en-US" altLang="ja-JP" sz="1200" dirty="0" smtClean="0">
-              <a:solidFill>
-                <a:srgbClr val="FF0000"/>
-              </a:solidFill>
-            </a:endParaRPr>
-          </a:p>
-        </p:txBody>
-      </p:sp>
-      <p:sp>
-        <p:nvSpPr>
-          <p:cNvPr id="33" name="テキスト ボックス 32"/>
-          <p:cNvSpPr txBox="1"/>
-          <p:nvPr/>
-        </p:nvSpPr>
-        <p:spPr>
-          <a:xfrm>
-            <a:off x="2010772" y="4869160"/>
-            <a:ext cx="5801588" cy="369332"/>
-          </a:xfrm>
-          <a:prstGeom prst="rect">
-            <a:avLst/>
-          </a:prstGeom>
-          <a:noFill/>
-        </p:spPr>
-        <p:txBody>
-          <a:bodyPr wrap="none" rtlCol="0">
-            <a:spAutoFit/>
-          </a:bodyPr>
-          <a:lstStyle/>
-          <a:p>
-            <a:r>
-              <a:rPr kumimoji="1" lang="en-US" altLang="ja-JP" dirty="0" smtClean="0"/>
-              <a:t>Expressiveness of </a:t>
-            </a:r>
-            <a:r>
-              <a:rPr kumimoji="1" lang="en-US" altLang="ja-JP" dirty="0" smtClean="0"/>
-              <a:t>C++ code </a:t>
-            </a:r>
-            <a:r>
-              <a:rPr kumimoji="1" lang="en-US" altLang="ja-JP" dirty="0" smtClean="0"/>
-              <a:t>in </a:t>
-            </a:r>
-            <a:r>
-              <a:rPr lang="en-US" altLang="ja-JP" dirty="0" smtClean="0"/>
-              <a:t>mathematical modeling</a:t>
-            </a:r>
-            <a:endParaRPr kumimoji="1" lang="ja-JP" altLang="en-US" dirty="0"/>
-          </a:p>
-        </p:txBody>
-      </p:sp>
-      <p:cxnSp>
-        <p:nvCxnSpPr>
-          <p:cNvPr id="37" name="直線矢印コネクタ 36"/>
-          <p:cNvCxnSpPr>
-            <a:stCxn id="13" idx="5"/>
-          </p:cNvCxnSpPr>
-          <p:nvPr/>
-        </p:nvCxnSpPr>
-        <p:spPr>
-          <a:xfrm flipV="1">
-            <a:off x="4484176" y="3915048"/>
-            <a:ext cx="2194064" cy="0"/>
-          </a:xfrm>
-          <a:prstGeom prst="straightConnector1">
-            <a:avLst/>
-          </a:prstGeom>
-          <a:ln w="22225">
-            <a:solidFill>
-              <a:srgbClr val="0070C0"/>
-            </a:solidFill>
-            <a:prstDash val="dash"/>
-            <a:tailEnd type="arrow"/>
-          </a:ln>
-        </p:spPr>
-        <p:style>
-          <a:lnRef idx="1">
-            <a:schemeClr val="accent1"/>
-          </a:lnRef>
-          <a:fillRef idx="0">
-            <a:schemeClr val="accent1"/>
-          </a:fillRef>
-          <a:effectRef idx="0">
-            <a:schemeClr val="accent1"/>
-          </a:effectRef>
-          <a:fontRef idx="minor">
-            <a:schemeClr val="tx1"/>
-          </a:fontRef>
-        </p:style>
-      </p:cxnSp>
-      <p:sp>
-        <p:nvSpPr>
-          <p:cNvPr id="45" name="円/楕円 44"/>
-          <p:cNvSpPr/>
-          <p:nvPr/>
-        </p:nvSpPr>
-        <p:spPr bwMode="blackGray">
-          <a:xfrm>
-            <a:off x="6660232" y="3861048"/>
-            <a:ext cx="108000" cy="108000"/>
-          </a:xfrm>
-          <a:prstGeom prst="ellipse">
-            <a:avLst/>
-          </a:prstGeom>
-          <a:solidFill>
-            <a:schemeClr val="tx1">
-              <a:lumMod val="50000"/>
-              <a:lumOff val="50000"/>
-            </a:schemeClr>
-          </a:solidFill>
-          <a:ln w="9525">
-            <a:solidFill>
-              <a:srgbClr val="0070C0"/>
-            </a:solidFill>
-            <a:round/>
-            <a:headEnd/>
-            <a:tailEnd/>
-          </a:ln>
-          <a:extLst/>
-        </p:spPr>
-        <p:txBody>
-          <a:bodyPr rtlCol="0" anchor="ctr"/>
-          <a:lstStyle/>
-          <a:p>
-            <a:pPr algn="ctr"/>
-            <a:endParaRPr kumimoji="1" lang="ja-JP" altLang="en-US"/>
-          </a:p>
-        </p:txBody>
-      </p:sp>
-      <p:sp>
-        <p:nvSpPr>
-          <p:cNvPr id="47" name="下矢印 46"/>
-          <p:cNvSpPr/>
-          <p:nvPr/>
-        </p:nvSpPr>
-        <p:spPr bwMode="blackGray">
-          <a:xfrm flipV="1">
-            <a:off x="2483768" y="2132856"/>
-            <a:ext cx="216024" cy="1728192"/>
-          </a:xfrm>
-          <a:prstGeom prst="downArrow">
-            <a:avLst/>
-          </a:prstGeom>
-          <a:noFill/>
-          <a:ln w="9525">
-            <a:solidFill>
-              <a:srgbClr val="FF0000"/>
-            </a:solidFill>
-            <a:prstDash val="dash"/>
-            <a:round/>
-            <a:headEnd/>
-            <a:tailEnd/>
-          </a:ln>
-          <a:extLst>
-            <a:ext uri="{909E8E84-426E-40DD-AFC4-6F175D3DCCD1}">
-              <a14:hiddenFill xmlns:a14="http://schemas.microsoft.com/office/drawing/2010/main">
-                <a:noFill/>
-              </a14:hiddenFill>
-            </a:ext>
-          </a:extLst>
-        </p:spPr>
-        <p:txBody>
-          <a:bodyPr rtlCol="0" anchor="ctr"/>
-          <a:lstStyle/>
-          <a:p>
-            <a:pPr algn="ctr"/>
-            <a:endParaRPr kumimoji="1" lang="ja-JP" altLang="en-US"/>
-          </a:p>
-        </p:txBody>
-      </p:sp>
-      <p:sp>
-        <p:nvSpPr>
-          <p:cNvPr id="48" name="下矢印 47"/>
-          <p:cNvSpPr/>
-          <p:nvPr/>
-        </p:nvSpPr>
-        <p:spPr bwMode="blackGray">
-          <a:xfrm flipV="1">
-            <a:off x="6624240" y="2564902"/>
-            <a:ext cx="180008" cy="1296145"/>
-          </a:xfrm>
-          <a:prstGeom prst="downArrow">
-            <a:avLst/>
-          </a:prstGeom>
-          <a:noFill/>
-          <a:ln w="9525">
-            <a:solidFill>
-              <a:srgbClr val="0070C0"/>
-            </a:solidFill>
-            <a:prstDash val="dash"/>
-            <a:round/>
-            <a:headEnd/>
-            <a:tailEnd/>
-          </a:ln>
-          <a:extLst>
-            <a:ext uri="{909E8E84-426E-40DD-AFC4-6F175D3DCCD1}">
-              <a14:hiddenFill xmlns:a14="http://schemas.microsoft.com/office/drawing/2010/main">
-                <a:noFill/>
-              </a14:hiddenFill>
-            </a:ext>
-          </a:extLst>
-        </p:spPr>
-        <p:txBody>
-          <a:bodyPr rtlCol="0" anchor="ctr"/>
-          <a:lstStyle/>
-          <a:p>
-            <a:pPr algn="ctr"/>
-            <a:endParaRPr kumimoji="1" lang="ja-JP" altLang="en-US"/>
-          </a:p>
-        </p:txBody>
-      </p:sp>
-      <p:sp>
-        <p:nvSpPr>
-          <p:cNvPr id="52" name="円/楕円 51"/>
-          <p:cNvSpPr/>
-          <p:nvPr/>
-        </p:nvSpPr>
-        <p:spPr bwMode="blackGray">
-          <a:xfrm>
-            <a:off x="2537780" y="1988598"/>
-            <a:ext cx="108000" cy="108000"/>
-          </a:xfrm>
-          <a:prstGeom prst="ellipse">
-            <a:avLst/>
-          </a:prstGeom>
-          <a:solidFill>
-            <a:schemeClr val="tx1">
-              <a:lumMod val="50000"/>
-              <a:lumOff val="50000"/>
-            </a:schemeClr>
-          </a:solidFill>
-          <a:ln w="9525">
-            <a:solidFill>
-              <a:srgbClr val="0070C0"/>
-            </a:solidFill>
-            <a:round/>
-            <a:headEnd/>
-            <a:tailEnd/>
-          </a:ln>
-          <a:extLst/>
-        </p:spPr>
-        <p:txBody>
-          <a:bodyPr rtlCol="0" anchor="ctr"/>
-          <a:lstStyle/>
-          <a:p>
-            <a:pPr algn="ctr"/>
-            <a:endParaRPr kumimoji="1" lang="ja-JP" altLang="en-US"/>
-          </a:p>
-        </p:txBody>
-      </p:sp>
     </p:spTree>
     <p:extLst>
       <p:ext uri="{BB962C8B-B14F-4D97-AF65-F5344CB8AC3E}">
